--- a/notes/notes/ds-algo/ch2-basic-algo.pptx
+++ b/notes/notes/ds-algo/ch2-basic-algo.pptx
@@ -198,7 +198,7 @@
           <a:p>
             <a:fld id="{9BFDADED-620D-D24E-82E2-96F000A12D1D}" type="datetimeFigureOut">
               <a:rPr lang="en-CN" smtClean="0"/>
-              <a:t>2024/1/21</a:t>
+              <a:t>2024/1/24</a:t>
             </a:fld>
             <a:endParaRPr lang="en-CN"/>
           </a:p>
@@ -1687,7 +1687,7 @@
           <a:p>
             <a:fld id="{58D30FAB-176C-8449-8796-69F8D9C85B57}" type="datetime1">
               <a:rPr lang="en-US" smtClean="0"/>
-              <a:t>1/21/24</a:t>
+              <a:t>1/24/24</a:t>
             </a:fld>
             <a:endParaRPr lang="en-CN"/>
           </a:p>
@@ -2293,8 +2293,8 @@
         </p:nvSpPr>
         <p:spPr>
           <a:xfrm>
-            <a:off x="5331854" y="2194560"/>
-            <a:ext cx="3059109" cy="707886"/>
+            <a:off x="4572000" y="2194560"/>
+            <a:ext cx="3818963" cy="1323439"/>
           </a:xfrm>
           <a:prstGeom prst="rect">
             <a:avLst/>
@@ -2309,12 +2309,16 @@
           <a:p>
             <a:pPr algn="r"/>
             <a:r>
-              <a:rPr kumimoji="1" lang="en-US" altLang="zh-CN" sz="4000" dirty="0"/>
-              <a:t>C </a:t>
-            </a:r>
-            <a:r>
               <a:rPr kumimoji="1" lang="zh-CN" altLang="en-US" sz="4000" dirty="0"/>
-              <a:t>语言回顾</a:t>
+              <a:t>基本算法</a:t>
+            </a:r>
+            <a:endParaRPr kumimoji="1" lang="en-US" altLang="zh-CN" sz="4000" dirty="0"/>
+          </a:p>
+          <a:p>
+            <a:pPr algn="r"/>
+            <a:r>
+              <a:rPr kumimoji="1" lang="zh-CN" altLang="en-US" sz="4000" dirty="0"/>
+              <a:t>和要思考的问题</a:t>
             </a:r>
           </a:p>
         </p:txBody>

--- a/notes/notes/ds-algo/ch2-basic-algo.pptx
+++ b/notes/notes/ds-algo/ch2-basic-algo.pptx
@@ -198,7 +198,7 @@
           <a:p>
             <a:fld id="{9BFDADED-620D-D24E-82E2-96F000A12D1D}" type="datetimeFigureOut">
               <a:rPr lang="en-CN" smtClean="0"/>
-              <a:t>2024/1/24</a:t>
+              <a:t>2024/1/26</a:t>
             </a:fld>
             <a:endParaRPr lang="en-CN"/>
           </a:p>
@@ -785,6 +785,53 @@
           </a:p>
         </p:txBody>
       </p:sp>
+      <p:pic>
+        <p:nvPicPr>
+          <p:cNvPr id="9" name="Picture 2">
+            <a:extLst>
+              <a:ext uri="{FF2B5EF4-FFF2-40B4-BE49-F238E27FC236}">
+                <a16:creationId xmlns:a16="http://schemas.microsoft.com/office/drawing/2014/main" id="{C34B0FFF-5FAD-3BBE-986A-2A7F058A50AB}"/>
+              </a:ext>
+            </a:extLst>
+          </p:cNvPr>
+          <p:cNvPicPr>
+            <a:picLocks noChangeAspect="1" noChangeArrowheads="1"/>
+          </p:cNvPicPr>
+          <p:nvPr userDrawn="1"/>
+        </p:nvPicPr>
+        <p:blipFill>
+          <a:blip r:embed="rId2">
+            <a:extLst>
+              <a:ext uri="{28A0092B-C50C-407E-A947-70E740481C1C}">
+                <a14:useLocalDpi xmlns:a14="http://schemas.microsoft.com/office/drawing/2010/main" val="0"/>
+              </a:ext>
+            </a:extLst>
+          </a:blip>
+          <a:srcRect/>
+          <a:stretch>
+            <a:fillRect/>
+          </a:stretch>
+        </p:blipFill>
+        <p:spPr bwMode="auto">
+          <a:xfrm>
+            <a:off x="8244520" y="0"/>
+            <a:ext cx="899480" cy="168442"/>
+          </a:xfrm>
+          <a:prstGeom prst="rect">
+            <a:avLst/>
+          </a:prstGeom>
+          <a:noFill/>
+          <a:extLst>
+            <a:ext uri="{909E8E84-426E-40DD-AFC4-6F175D3DCCD1}">
+              <a14:hiddenFill xmlns:a14="http://schemas.microsoft.com/office/drawing/2010/main">
+                <a:solidFill>
+                  <a:srgbClr val="FFFFFF"/>
+                </a:solidFill>
+              </a14:hiddenFill>
+            </a:ext>
+          </a:extLst>
+        </p:spPr>
+      </p:pic>
     </p:spTree>
     <p:extLst>
       <p:ext uri="{BB962C8B-B14F-4D97-AF65-F5344CB8AC3E}">
@@ -1687,7 +1734,7 @@
           <a:p>
             <a:fld id="{58D30FAB-176C-8449-8796-69F8D9C85B57}" type="datetime1">
               <a:rPr lang="en-US" smtClean="0"/>
-              <a:t>1/24/24</a:t>
+              <a:t>1/26/24</a:t>
             </a:fld>
             <a:endParaRPr lang="en-CN"/>
           </a:p>

--- a/notes/notes/ds-algo/ch2-basic-algo.pptx
+++ b/notes/notes/ds-algo/ch2-basic-algo.pptx
@@ -5,11 +5,25 @@
     <p:sldMasterId id="2147483660" r:id="rId1"/>
   </p:sldMasterIdLst>
   <p:notesMasterIdLst>
-    <p:notesMasterId r:id="rId4"/>
+    <p:notesMasterId r:id="rId18"/>
   </p:notesMasterIdLst>
   <p:sldIdLst>
-    <p:sldId id="281" r:id="rId2"/>
-    <p:sldId id="257" r:id="rId3"/>
+    <p:sldId id="257" r:id="rId2"/>
+    <p:sldId id="282" r:id="rId3"/>
+    <p:sldId id="283" r:id="rId4"/>
+    <p:sldId id="284" r:id="rId5"/>
+    <p:sldId id="285" r:id="rId6"/>
+    <p:sldId id="286" r:id="rId7"/>
+    <p:sldId id="287" r:id="rId8"/>
+    <p:sldId id="288" r:id="rId9"/>
+    <p:sldId id="289" r:id="rId10"/>
+    <p:sldId id="290" r:id="rId11"/>
+    <p:sldId id="291" r:id="rId12"/>
+    <p:sldId id="292" r:id="rId13"/>
+    <p:sldId id="293" r:id="rId14"/>
+    <p:sldId id="294" r:id="rId15"/>
+    <p:sldId id="295" r:id="rId16"/>
+    <p:sldId id="281" r:id="rId17"/>
   </p:sldIdLst>
   <p:sldSz cx="9144000" cy="6858000" type="screen4x3"/>
   <p:notesSz cx="6858000" cy="9144000"/>
@@ -198,7 +212,7 @@
           <a:p>
             <a:fld id="{9BFDADED-620D-D24E-82E2-96F000A12D1D}" type="datetimeFigureOut">
               <a:rPr lang="en-CN" smtClean="0"/>
-              <a:t>2024/1/26</a:t>
+              <a:t>2024/1/29</a:t>
             </a:fld>
             <a:endParaRPr lang="en-CN"/>
           </a:p>
@@ -531,7 +545,7 @@
           <a:p>
             <a:fld id="{9A852FB5-1F09-5546-B530-97D4A6D60E74}" type="slidenum">
               <a:rPr lang="en-CN" smtClean="0"/>
-              <a:t>2</a:t>
+              <a:t>1</a:t>
             </a:fld>
             <a:endParaRPr lang="en-CN"/>
           </a:p>
@@ -1734,7 +1748,7 @@
           <a:p>
             <a:fld id="{58D30FAB-176C-8449-8796-69F8D9C85B57}" type="datetime1">
               <a:rPr lang="en-US" smtClean="0"/>
-              <a:t>1/26/24</a:t>
+              <a:t>1/29/24</a:t>
             </a:fld>
             <a:endParaRPr lang="en-CN"/>
           </a:p>
@@ -2137,7 +2151,7 @@
           <p:cNvPr id="2" name="Slide Number Placeholder 1">
             <a:extLst>
               <a:ext uri="{FF2B5EF4-FFF2-40B4-BE49-F238E27FC236}">
-                <a16:creationId xmlns:a16="http://schemas.microsoft.com/office/drawing/2014/main" id="{B21780A8-2A62-1D37-FA41-493440D7A0C2}"/>
+                <a16:creationId xmlns:a16="http://schemas.microsoft.com/office/drawing/2014/main" id="{221EDF88-8D28-2A7D-1737-B9112AC5E0F0}"/>
               </a:ext>
             </a:extLst>
           </p:cNvPr>
@@ -2157,6 +2171,1454 @@
               <a:rPr lang="en-CN" smtClean="0"/>
               <a:pPr/>
               <a:t>1</a:t>
+            </a:fld>
+            <a:endParaRPr lang="en-CN" dirty="0"/>
+          </a:p>
+        </p:txBody>
+      </p:sp>
+      <p:sp>
+        <p:nvSpPr>
+          <p:cNvPr id="4" name="TextBox 3">
+            <a:extLst>
+              <a:ext uri="{FF2B5EF4-FFF2-40B4-BE49-F238E27FC236}">
+                <a16:creationId xmlns:a16="http://schemas.microsoft.com/office/drawing/2014/main" id="{8B29882B-FFAE-239E-8E47-130FA67976AD}"/>
+              </a:ext>
+            </a:extLst>
+          </p:cNvPr>
+          <p:cNvSpPr txBox="1"/>
+          <p:nvPr/>
+        </p:nvSpPr>
+        <p:spPr>
+          <a:xfrm>
+            <a:off x="4572000" y="2194560"/>
+            <a:ext cx="3818963" cy="1323439"/>
+          </a:xfrm>
+          <a:prstGeom prst="rect">
+            <a:avLst/>
+          </a:prstGeom>
+          <a:noFill/>
+        </p:spPr>
+        <p:txBody>
+          <a:bodyPr wrap="square" rtlCol="0">
+            <a:spAutoFit/>
+          </a:bodyPr>
+          <a:lstStyle/>
+          <a:p>
+            <a:pPr algn="r"/>
+            <a:r>
+              <a:rPr kumimoji="1" lang="zh-CN" altLang="en-US" sz="4000" dirty="0"/>
+              <a:t>基本排序算法</a:t>
+            </a:r>
+            <a:r>
+              <a:rPr kumimoji="1" lang="en-US" altLang="zh-CN" sz="4000" dirty="0"/>
+              <a:t>(I)</a:t>
+            </a:r>
+          </a:p>
+          <a:p>
+            <a:pPr algn="r"/>
+            <a:r>
+              <a:rPr kumimoji="1" lang="zh-CN" altLang="en-US" sz="4000" dirty="0"/>
+              <a:t>和要思考的问题</a:t>
+            </a:r>
+          </a:p>
+        </p:txBody>
+      </p:sp>
+      <p:sp>
+        <p:nvSpPr>
+          <p:cNvPr id="5" name="TextBox 4">
+            <a:extLst>
+              <a:ext uri="{FF2B5EF4-FFF2-40B4-BE49-F238E27FC236}">
+                <a16:creationId xmlns:a16="http://schemas.microsoft.com/office/drawing/2014/main" id="{FDFE109F-B3F0-E3BC-3AC3-5385038B9CFC}"/>
+              </a:ext>
+            </a:extLst>
+          </p:cNvPr>
+          <p:cNvSpPr txBox="1"/>
+          <p:nvPr/>
+        </p:nvSpPr>
+        <p:spPr>
+          <a:xfrm>
+            <a:off x="5547908" y="882127"/>
+            <a:ext cx="2843057" cy="830997"/>
+          </a:xfrm>
+          <a:prstGeom prst="rect">
+            <a:avLst/>
+          </a:prstGeom>
+          <a:noFill/>
+        </p:spPr>
+        <p:txBody>
+          <a:bodyPr wrap="square" rtlCol="0">
+            <a:spAutoFit/>
+          </a:bodyPr>
+          <a:lstStyle/>
+          <a:p>
+            <a:pPr algn="r"/>
+            <a:r>
+              <a:rPr kumimoji="1" lang="zh-CN" altLang="en-US" sz="4800" dirty="0"/>
+              <a:t> </a:t>
+            </a:r>
+            <a:r>
+              <a:rPr kumimoji="1" lang="en-US" altLang="zh-CN" sz="4800" dirty="0"/>
+              <a:t>2</a:t>
+            </a:r>
+            <a:endParaRPr kumimoji="1" lang="zh-CN" altLang="en-US" sz="4800" dirty="0"/>
+          </a:p>
+        </p:txBody>
+      </p:sp>
+      <p:grpSp>
+        <p:nvGrpSpPr>
+          <p:cNvPr id="7" name="Group 6">
+            <a:extLst>
+              <a:ext uri="{FF2B5EF4-FFF2-40B4-BE49-F238E27FC236}">
+                <a16:creationId xmlns:a16="http://schemas.microsoft.com/office/drawing/2014/main" id="{DDDBB719-A0ED-2465-DEA0-052BA4FECF57}"/>
+              </a:ext>
+            </a:extLst>
+          </p:cNvPr>
+          <p:cNvGrpSpPr/>
+          <p:nvPr/>
+        </p:nvGrpSpPr>
+        <p:grpSpPr>
+          <a:xfrm>
+            <a:off x="1659467" y="4176888"/>
+            <a:ext cx="6844386" cy="1292662"/>
+            <a:chOff x="-4532993" y="2695564"/>
+            <a:chExt cx="11396374" cy="1292662"/>
+          </a:xfrm>
+        </p:grpSpPr>
+        <p:sp>
+          <p:nvSpPr>
+            <p:cNvPr id="8" name="TextBox 7">
+              <a:extLst>
+                <a:ext uri="{FF2B5EF4-FFF2-40B4-BE49-F238E27FC236}">
+                  <a16:creationId xmlns:a16="http://schemas.microsoft.com/office/drawing/2014/main" id="{35CB7E69-FCA2-18C3-67B7-5EFBC5837A93}"/>
+                </a:ext>
+              </a:extLst>
+            </p:cNvPr>
+            <p:cNvSpPr txBox="1"/>
+            <p:nvPr/>
+          </p:nvSpPr>
+          <p:spPr>
+            <a:xfrm>
+              <a:off x="-4532993" y="2695564"/>
+              <a:ext cx="11396374" cy="923330"/>
+            </a:xfrm>
+            <a:prstGeom prst="rect">
+              <a:avLst/>
+            </a:prstGeom>
+            <a:noFill/>
+          </p:spPr>
+          <p:txBody>
+            <a:bodyPr wrap="square">
+              <a:spAutoFit/>
+            </a:bodyPr>
+            <a:lstStyle/>
+            <a:p>
+              <a:pPr algn="r"/>
+              <a:r>
+                <a:rPr lang="en-US" altLang="zh-CN" i="1" dirty="0">
+                  <a:solidFill>
+                    <a:srgbClr val="5985A6"/>
+                  </a:solidFill>
+                  <a:latin typeface="Crimson"/>
+                </a:rPr>
+                <a:t>The more we reduce ourselves to machines in the</a:t>
+              </a:r>
+              <a:r>
+                <a:rPr lang="zh-CN" altLang="en-US" i="1" dirty="0">
+                  <a:solidFill>
+                    <a:srgbClr val="5985A6"/>
+                  </a:solidFill>
+                  <a:latin typeface="Crimson"/>
+                </a:rPr>
+                <a:t> </a:t>
+              </a:r>
+              <a:r>
+                <a:rPr lang="en-US" altLang="zh-CN" i="1" dirty="0">
+                  <a:solidFill>
+                    <a:srgbClr val="5985A6"/>
+                  </a:solidFill>
+                  <a:latin typeface="Crimson"/>
+                </a:rPr>
+                <a:t>lower</a:t>
+              </a:r>
+              <a:r>
+                <a:rPr lang="zh-CN" altLang="en-US" i="1" dirty="0">
+                  <a:solidFill>
+                    <a:srgbClr val="5985A6"/>
+                  </a:solidFill>
+                  <a:latin typeface="Crimson"/>
+                </a:rPr>
+                <a:t> </a:t>
+              </a:r>
+              <a:r>
+                <a:rPr lang="en-US" altLang="zh-CN" i="1" dirty="0">
+                  <a:solidFill>
+                    <a:srgbClr val="5985A6"/>
+                  </a:solidFill>
+                  <a:latin typeface="Crimson"/>
+                </a:rPr>
+                <a:t>things,</a:t>
+              </a:r>
+            </a:p>
+            <a:p>
+              <a:pPr algn="r"/>
+              <a:r>
+                <a:rPr lang="en-US" altLang="zh-CN" i="1" dirty="0">
+                  <a:solidFill>
+                    <a:srgbClr val="5985A6"/>
+                  </a:solidFill>
+                  <a:latin typeface="Crimson"/>
+                </a:rPr>
+                <a:t>the more force we shall set free to use in the higher.</a:t>
+              </a:r>
+              <a:br>
+                <a:rPr lang="en-US" b="0" i="1" dirty="0">
+                  <a:solidFill>
+                    <a:srgbClr val="5985A6"/>
+                  </a:solidFill>
+                  <a:effectLst/>
+                  <a:latin typeface="Crimson"/>
+                </a:rPr>
+              </a:br>
+              <a:endParaRPr lang="en-US" b="0" i="1" dirty="0">
+                <a:solidFill>
+                  <a:srgbClr val="5985A6"/>
+                </a:solidFill>
+                <a:effectLst/>
+                <a:latin typeface="Crimson"/>
+              </a:endParaRPr>
+            </a:p>
+          </p:txBody>
+        </p:sp>
+        <p:sp>
+          <p:nvSpPr>
+            <p:cNvPr id="9" name="TextBox 8">
+              <a:extLst>
+                <a:ext uri="{FF2B5EF4-FFF2-40B4-BE49-F238E27FC236}">
+                  <a16:creationId xmlns:a16="http://schemas.microsoft.com/office/drawing/2014/main" id="{81E6904A-1336-7F90-FC6C-C765C1B6DB6E}"/>
+                </a:ext>
+              </a:extLst>
+            </p:cNvPr>
+            <p:cNvSpPr txBox="1"/>
+            <p:nvPr/>
+          </p:nvSpPr>
+          <p:spPr>
+            <a:xfrm>
+              <a:off x="-435297" y="3341895"/>
+              <a:ext cx="7298674" cy="646331"/>
+            </a:xfrm>
+            <a:prstGeom prst="rect">
+              <a:avLst/>
+            </a:prstGeom>
+            <a:noFill/>
+          </p:spPr>
+          <p:txBody>
+            <a:bodyPr wrap="square">
+              <a:spAutoFit/>
+            </a:bodyPr>
+            <a:lstStyle/>
+            <a:p>
+              <a:pPr algn="r"/>
+              <a:r>
+                <a:rPr lang="en-US" b="0" i="0" dirty="0">
+                  <a:solidFill>
+                    <a:srgbClr val="7AA0B8"/>
+                  </a:solidFill>
+                  <a:effectLst/>
+                  <a:latin typeface="Crimson"/>
+                </a:rPr>
+                <a:t>by</a:t>
+              </a:r>
+              <a:r>
+                <a:rPr lang="zh-CN" altLang="en-US" dirty="0">
+                  <a:solidFill>
+                    <a:srgbClr val="7AA0B8"/>
+                  </a:solidFill>
+                  <a:latin typeface="Crimson"/>
+                </a:rPr>
+                <a:t> </a:t>
+              </a:r>
+              <a:r>
+                <a:rPr lang="en-US" altLang="zh-CN" dirty="0">
+                  <a:solidFill>
+                    <a:srgbClr val="7AA0B8"/>
+                  </a:solidFill>
+                  <a:latin typeface="Crimson"/>
+                </a:rPr>
+                <a:t>Anna</a:t>
+              </a:r>
+              <a:r>
+                <a:rPr lang="zh-CN" altLang="en-US" dirty="0">
+                  <a:solidFill>
+                    <a:srgbClr val="7AA0B8"/>
+                  </a:solidFill>
+                  <a:latin typeface="Crimson"/>
+                </a:rPr>
+                <a:t> </a:t>
+              </a:r>
+              <a:r>
+                <a:rPr lang="en-US" altLang="zh-CN" dirty="0">
+                  <a:solidFill>
+                    <a:srgbClr val="7AA0B8"/>
+                  </a:solidFill>
+                  <a:latin typeface="Crimson"/>
+                </a:rPr>
+                <a:t>C.</a:t>
+              </a:r>
+              <a:r>
+                <a:rPr lang="zh-CN" altLang="en-US" dirty="0">
+                  <a:solidFill>
+                    <a:srgbClr val="7AA0B8"/>
+                  </a:solidFill>
+                  <a:latin typeface="Crimson"/>
+                </a:rPr>
+                <a:t> </a:t>
+              </a:r>
+              <a:r>
+                <a:rPr lang="en-US" altLang="zh-CN" dirty="0">
+                  <a:solidFill>
+                    <a:srgbClr val="7AA0B8"/>
+                  </a:solidFill>
+                  <a:latin typeface="Crimson"/>
+                </a:rPr>
+                <a:t>Brackett,</a:t>
+              </a:r>
+              <a:r>
+                <a:rPr lang="zh-CN" altLang="en-US" dirty="0">
+                  <a:solidFill>
+                    <a:srgbClr val="7AA0B8"/>
+                  </a:solidFill>
+                  <a:latin typeface="Crimson"/>
+                </a:rPr>
+                <a:t> </a:t>
+              </a:r>
+              <a:r>
+                <a:rPr lang="en-US" altLang="zh-CN" i="1" dirty="0">
+                  <a:solidFill>
+                    <a:srgbClr val="7AA0B8"/>
+                  </a:solidFill>
+                  <a:latin typeface="Crimson"/>
+                </a:rPr>
+                <a:t>The</a:t>
+              </a:r>
+              <a:r>
+                <a:rPr lang="zh-CN" altLang="en-US" i="1" dirty="0">
+                  <a:solidFill>
+                    <a:srgbClr val="7AA0B8"/>
+                  </a:solidFill>
+                  <a:latin typeface="Crimson"/>
+                </a:rPr>
+                <a:t> </a:t>
+              </a:r>
+              <a:r>
+                <a:rPr lang="en-US" altLang="zh-CN" i="1" dirty="0">
+                  <a:solidFill>
+                    <a:srgbClr val="7AA0B8"/>
+                  </a:solidFill>
+                  <a:latin typeface="Crimson"/>
+                </a:rPr>
+                <a:t>technique</a:t>
+              </a:r>
+              <a:r>
+                <a:rPr lang="zh-CN" altLang="en-US" i="1" dirty="0">
+                  <a:solidFill>
+                    <a:srgbClr val="7AA0B8"/>
+                  </a:solidFill>
+                  <a:latin typeface="Crimson"/>
+                </a:rPr>
+                <a:t> </a:t>
+              </a:r>
+              <a:r>
+                <a:rPr lang="en-US" altLang="zh-CN" i="1" dirty="0">
+                  <a:solidFill>
+                    <a:srgbClr val="7AA0B8"/>
+                  </a:solidFill>
+                  <a:latin typeface="Crimson"/>
+                </a:rPr>
+                <a:t>of</a:t>
+              </a:r>
+              <a:r>
+                <a:rPr lang="zh-CN" altLang="en-US" i="1" dirty="0">
+                  <a:solidFill>
+                    <a:srgbClr val="7AA0B8"/>
+                  </a:solidFill>
+                  <a:latin typeface="Crimson"/>
+                </a:rPr>
+                <a:t> </a:t>
+              </a:r>
+              <a:r>
+                <a:rPr lang="en-US" altLang="zh-CN" i="1" dirty="0">
+                  <a:solidFill>
+                    <a:srgbClr val="7AA0B8"/>
+                  </a:solidFill>
+                  <a:latin typeface="Crimson"/>
+                </a:rPr>
+                <a:t>Rest</a:t>
+              </a:r>
+              <a:endParaRPr lang="en-US" i="1" dirty="0">
+                <a:solidFill>
+                  <a:srgbClr val="7AA0B8"/>
+                </a:solidFill>
+                <a:latin typeface="Crimson"/>
+              </a:endParaRPr>
+            </a:p>
+            <a:p>
+              <a:pPr algn="r"/>
+              <a:endParaRPr lang="zh-CN" altLang="en-US" dirty="0"/>
+            </a:p>
+          </p:txBody>
+        </p:sp>
+      </p:grpSp>
+      <p:pic>
+        <p:nvPicPr>
+          <p:cNvPr id="13" name="Picture 12">
+            <a:extLst>
+              <a:ext uri="{FF2B5EF4-FFF2-40B4-BE49-F238E27FC236}">
+                <a16:creationId xmlns:a16="http://schemas.microsoft.com/office/drawing/2014/main" id="{878FAB5E-E475-397A-0A97-65ADDA709792}"/>
+              </a:ext>
+            </a:extLst>
+          </p:cNvPr>
+          <p:cNvPicPr>
+            <a:picLocks noChangeAspect="1"/>
+          </p:cNvPicPr>
+          <p:nvPr/>
+        </p:nvPicPr>
+        <p:blipFill>
+          <a:blip r:embed="rId3"/>
+          <a:stretch>
+            <a:fillRect/>
+          </a:stretch>
+        </p:blipFill>
+        <p:spPr>
+          <a:xfrm>
+            <a:off x="573907" y="1899399"/>
+            <a:ext cx="3276600" cy="1028700"/>
+          </a:xfrm>
+          <a:prstGeom prst="rect">
+            <a:avLst/>
+          </a:prstGeom>
+        </p:spPr>
+      </p:pic>
+      <p:pic>
+        <p:nvPicPr>
+          <p:cNvPr id="14" name="Picture 13">
+            <a:extLst>
+              <a:ext uri="{FF2B5EF4-FFF2-40B4-BE49-F238E27FC236}">
+                <a16:creationId xmlns:a16="http://schemas.microsoft.com/office/drawing/2014/main" id="{7174F4EA-BB7F-6E96-719E-38FBA8E010E9}"/>
+              </a:ext>
+            </a:extLst>
+          </p:cNvPr>
+          <p:cNvPicPr>
+            <a:picLocks noChangeAspect="1"/>
+          </p:cNvPicPr>
+          <p:nvPr/>
+        </p:nvPicPr>
+        <p:blipFill>
+          <a:blip r:embed="rId4"/>
+          <a:stretch>
+            <a:fillRect/>
+          </a:stretch>
+        </p:blipFill>
+        <p:spPr>
+          <a:xfrm>
+            <a:off x="1778000" y="1101328"/>
+            <a:ext cx="2794000" cy="723900"/>
+          </a:xfrm>
+          <a:prstGeom prst="rect">
+            <a:avLst/>
+          </a:prstGeom>
+        </p:spPr>
+      </p:pic>
+      <p:pic>
+        <p:nvPicPr>
+          <p:cNvPr id="15" name="Picture 14">
+            <a:extLst>
+              <a:ext uri="{FF2B5EF4-FFF2-40B4-BE49-F238E27FC236}">
+                <a16:creationId xmlns:a16="http://schemas.microsoft.com/office/drawing/2014/main" id="{4501DE3E-8182-CC2C-B2CA-347197B9D8DF}"/>
+              </a:ext>
+            </a:extLst>
+          </p:cNvPr>
+          <p:cNvPicPr>
+            <a:picLocks noChangeAspect="1"/>
+          </p:cNvPicPr>
+          <p:nvPr/>
+        </p:nvPicPr>
+        <p:blipFill>
+          <a:blip r:embed="rId5"/>
+          <a:stretch>
+            <a:fillRect/>
+          </a:stretch>
+        </p:blipFill>
+        <p:spPr>
+          <a:xfrm>
+            <a:off x="63500" y="1046383"/>
+            <a:ext cx="1714500" cy="927100"/>
+          </a:xfrm>
+          <a:prstGeom prst="rect">
+            <a:avLst/>
+          </a:prstGeom>
+        </p:spPr>
+      </p:pic>
+      <p:pic>
+        <p:nvPicPr>
+          <p:cNvPr id="16" name="Picture 15">
+            <a:extLst>
+              <a:ext uri="{FF2B5EF4-FFF2-40B4-BE49-F238E27FC236}">
+                <a16:creationId xmlns:a16="http://schemas.microsoft.com/office/drawing/2014/main" id="{21EA66E3-98F0-98A9-8AE4-E8637F366727}"/>
+              </a:ext>
+            </a:extLst>
+          </p:cNvPr>
+          <p:cNvPicPr>
+            <a:picLocks noChangeAspect="1"/>
+          </p:cNvPicPr>
+          <p:nvPr/>
+        </p:nvPicPr>
+        <p:blipFill>
+          <a:blip r:embed="rId6"/>
+          <a:stretch>
+            <a:fillRect/>
+          </a:stretch>
+        </p:blipFill>
+        <p:spPr>
+          <a:xfrm>
+            <a:off x="1558157" y="0"/>
+            <a:ext cx="1308100" cy="787400"/>
+          </a:xfrm>
+          <a:prstGeom prst="rect">
+            <a:avLst/>
+          </a:prstGeom>
+        </p:spPr>
+      </p:pic>
+      <p:pic>
+        <p:nvPicPr>
+          <p:cNvPr id="12" name="Picture 11">
+            <a:extLst>
+              <a:ext uri="{FF2B5EF4-FFF2-40B4-BE49-F238E27FC236}">
+                <a16:creationId xmlns:a16="http://schemas.microsoft.com/office/drawing/2014/main" id="{1AE8378C-9D0A-C4F8-2136-C7FF26B86A97}"/>
+              </a:ext>
+            </a:extLst>
+          </p:cNvPr>
+          <p:cNvPicPr>
+            <a:picLocks noChangeAspect="1"/>
+          </p:cNvPicPr>
+          <p:nvPr/>
+        </p:nvPicPr>
+        <p:blipFill>
+          <a:blip r:embed="rId7">
+            <a:clrChange>
+              <a:clrFrom>
+                <a:srgbClr val="F5F5F5"/>
+              </a:clrFrom>
+              <a:clrTo>
+                <a:srgbClr val="F5F5F5">
+                  <a:alpha val="0"/>
+                </a:srgbClr>
+              </a:clrTo>
+            </a:clrChange>
+          </a:blip>
+          <a:stretch>
+            <a:fillRect/>
+          </a:stretch>
+        </p:blipFill>
+        <p:spPr>
+          <a:xfrm>
+            <a:off x="261016" y="3160194"/>
+            <a:ext cx="3950237" cy="2764312"/>
+          </a:xfrm>
+          <a:prstGeom prst="rect">
+            <a:avLst/>
+          </a:prstGeom>
+        </p:spPr>
+      </p:pic>
+    </p:spTree>
+    <p:extLst>
+      <p:ext uri="{BB962C8B-B14F-4D97-AF65-F5344CB8AC3E}">
+        <p14:creationId xmlns:p14="http://schemas.microsoft.com/office/powerpoint/2010/main" val="4112512194"/>
+      </p:ext>
+    </p:extLst>
+  </p:cSld>
+  <p:clrMapOvr>
+    <a:masterClrMapping/>
+  </p:clrMapOvr>
+</p:sld>
+</file>
+
+<file path=ppt/slides/slide10.xml><?xml version="1.0" encoding="utf-8"?>
+<p:sld xmlns:a="http://schemas.openxmlformats.org/drawingml/2006/main" xmlns:r="http://schemas.openxmlformats.org/officeDocument/2006/relationships" xmlns:p="http://schemas.openxmlformats.org/presentationml/2006/main">
+  <p:cSld>
+    <p:spTree>
+      <p:nvGrpSpPr>
+        <p:cNvPr id="1" name=""/>
+        <p:cNvGrpSpPr/>
+        <p:nvPr/>
+      </p:nvGrpSpPr>
+      <p:grpSpPr>
+        <a:xfrm>
+          <a:off x="0" y="0"/>
+          <a:ext cx="0" cy="0"/>
+          <a:chOff x="0" y="0"/>
+          <a:chExt cx="0" cy="0"/>
+        </a:xfrm>
+      </p:grpSpPr>
+      <p:sp>
+        <p:nvSpPr>
+          <p:cNvPr id="2" name="Slide Number Placeholder 1">
+            <a:extLst>
+              <a:ext uri="{FF2B5EF4-FFF2-40B4-BE49-F238E27FC236}">
+                <a16:creationId xmlns:a16="http://schemas.microsoft.com/office/drawing/2014/main" id="{B92277D3-50F6-FA6A-4E93-A6CCB461EE1C}"/>
+              </a:ext>
+            </a:extLst>
+          </p:cNvPr>
+          <p:cNvSpPr>
+            <a:spLocks noGrp="1"/>
+          </p:cNvSpPr>
+          <p:nvPr>
+            <p:ph type="sldNum" sz="quarter" idx="12"/>
+          </p:nvPr>
+        </p:nvSpPr>
+        <p:spPr/>
+        <p:txBody>
+          <a:bodyPr/>
+          <a:lstStyle/>
+          <a:p>
+            <a:fld id="{7A304655-5D53-B746-8252-3F5A598C52D3}" type="slidenum">
+              <a:rPr lang="en-CN" smtClean="0"/>
+              <a:pPr/>
+              <a:t>10</a:t>
+            </a:fld>
+            <a:endParaRPr lang="en-CN"/>
+          </a:p>
+        </p:txBody>
+      </p:sp>
+      <p:sp>
+        <p:nvSpPr>
+          <p:cNvPr id="3" name="Title 2">
+            <a:extLst>
+              <a:ext uri="{FF2B5EF4-FFF2-40B4-BE49-F238E27FC236}">
+                <a16:creationId xmlns:a16="http://schemas.microsoft.com/office/drawing/2014/main" id="{745D2336-C76B-1DFB-ADCB-6EA389B6BB1D}"/>
+              </a:ext>
+            </a:extLst>
+          </p:cNvPr>
+          <p:cNvSpPr>
+            <a:spLocks noGrp="1"/>
+          </p:cNvSpPr>
+          <p:nvPr>
+            <p:ph type="title"/>
+          </p:nvPr>
+        </p:nvSpPr>
+        <p:spPr/>
+        <p:txBody>
+          <a:bodyPr/>
+          <a:lstStyle/>
+          <a:p>
+            <a:r>
+              <a:rPr kumimoji="1" lang="zh-CN" altLang="en-US" dirty="0"/>
+              <a:t>大概思路</a:t>
+            </a:r>
+          </a:p>
+        </p:txBody>
+      </p:sp>
+      <p:pic>
+        <p:nvPicPr>
+          <p:cNvPr id="4" name="Picture 3">
+            <a:extLst>
+              <a:ext uri="{FF2B5EF4-FFF2-40B4-BE49-F238E27FC236}">
+                <a16:creationId xmlns:a16="http://schemas.microsoft.com/office/drawing/2014/main" id="{2AD66A0F-9694-958A-4C0D-12BD470964E4}"/>
+              </a:ext>
+            </a:extLst>
+          </p:cNvPr>
+          <p:cNvPicPr>
+            <a:picLocks noChangeAspect="1"/>
+          </p:cNvPicPr>
+          <p:nvPr/>
+        </p:nvPicPr>
+        <p:blipFill>
+          <a:blip r:embed="rId2">
+            <a:clrChange>
+              <a:clrFrom>
+                <a:srgbClr val="F5F5F5"/>
+              </a:clrFrom>
+              <a:clrTo>
+                <a:srgbClr val="F5F5F5">
+                  <a:alpha val="0"/>
+                </a:srgbClr>
+              </a:clrTo>
+            </a:clrChange>
+          </a:blip>
+          <a:stretch>
+            <a:fillRect/>
+          </a:stretch>
+        </p:blipFill>
+        <p:spPr>
+          <a:xfrm>
+            <a:off x="628650" y="1168400"/>
+            <a:ext cx="7457928" cy="2771422"/>
+          </a:xfrm>
+          <a:prstGeom prst="rect">
+            <a:avLst/>
+          </a:prstGeom>
+        </p:spPr>
+      </p:pic>
+      <p:pic>
+        <p:nvPicPr>
+          <p:cNvPr id="1026" name="Picture 2">
+            <a:extLst>
+              <a:ext uri="{FF2B5EF4-FFF2-40B4-BE49-F238E27FC236}">
+                <a16:creationId xmlns:a16="http://schemas.microsoft.com/office/drawing/2014/main" id="{34FCF35F-A57E-93D2-D48B-6DF979E85069}"/>
+              </a:ext>
+            </a:extLst>
+          </p:cNvPr>
+          <p:cNvPicPr>
+            <a:picLocks noChangeAspect="1" noChangeArrowheads="1"/>
+          </p:cNvPicPr>
+          <p:nvPr/>
+        </p:nvPicPr>
+        <p:blipFill>
+          <a:blip r:embed="rId3">
+            <a:extLst>
+              <a:ext uri="{28A0092B-C50C-407E-A947-70E740481C1C}">
+                <a14:useLocalDpi xmlns:a14="http://schemas.microsoft.com/office/drawing/2010/main" val="0"/>
+              </a:ext>
+            </a:extLst>
+          </a:blip>
+          <a:srcRect/>
+          <a:stretch>
+            <a:fillRect/>
+          </a:stretch>
+        </p:blipFill>
+        <p:spPr bwMode="auto">
+          <a:xfrm>
+            <a:off x="2452614" y="3939822"/>
+            <a:ext cx="3810000" cy="2286000"/>
+          </a:xfrm>
+          <a:prstGeom prst="rect">
+            <a:avLst/>
+          </a:prstGeom>
+          <a:noFill/>
+          <a:extLst>
+            <a:ext uri="{909E8E84-426E-40DD-AFC4-6F175D3DCCD1}">
+              <a14:hiddenFill xmlns:a14="http://schemas.microsoft.com/office/drawing/2010/main">
+                <a:solidFill>
+                  <a:srgbClr val="FFFFFF"/>
+                </a:solidFill>
+              </a14:hiddenFill>
+            </a:ext>
+          </a:extLst>
+        </p:spPr>
+      </p:pic>
+    </p:spTree>
+    <p:extLst>
+      <p:ext uri="{BB962C8B-B14F-4D97-AF65-F5344CB8AC3E}">
+        <p14:creationId xmlns:p14="http://schemas.microsoft.com/office/powerpoint/2010/main" val="4110946451"/>
+      </p:ext>
+    </p:extLst>
+  </p:cSld>
+  <p:clrMapOvr>
+    <a:masterClrMapping/>
+  </p:clrMapOvr>
+</p:sld>
+</file>
+
+<file path=ppt/slides/slide11.xml><?xml version="1.0" encoding="utf-8"?>
+<p:sld xmlns:a="http://schemas.openxmlformats.org/drawingml/2006/main" xmlns:r="http://schemas.openxmlformats.org/officeDocument/2006/relationships" xmlns:p="http://schemas.openxmlformats.org/presentationml/2006/main">
+  <p:cSld>
+    <p:spTree>
+      <p:nvGrpSpPr>
+        <p:cNvPr id="1" name=""/>
+        <p:cNvGrpSpPr/>
+        <p:nvPr/>
+      </p:nvGrpSpPr>
+      <p:grpSpPr>
+        <a:xfrm>
+          <a:off x="0" y="0"/>
+          <a:ext cx="0" cy="0"/>
+          <a:chOff x="0" y="0"/>
+          <a:chExt cx="0" cy="0"/>
+        </a:xfrm>
+      </p:grpSpPr>
+      <p:sp>
+        <p:nvSpPr>
+          <p:cNvPr id="2" name="Slide Number Placeholder 1">
+            <a:extLst>
+              <a:ext uri="{FF2B5EF4-FFF2-40B4-BE49-F238E27FC236}">
+                <a16:creationId xmlns:a16="http://schemas.microsoft.com/office/drawing/2014/main" id="{62B70D71-FA4F-3CF0-6638-C1324E1E4070}"/>
+              </a:ext>
+            </a:extLst>
+          </p:cNvPr>
+          <p:cNvSpPr>
+            <a:spLocks noGrp="1"/>
+          </p:cNvSpPr>
+          <p:nvPr>
+            <p:ph type="sldNum" sz="quarter" idx="12"/>
+          </p:nvPr>
+        </p:nvSpPr>
+        <p:spPr/>
+        <p:txBody>
+          <a:bodyPr/>
+          <a:lstStyle/>
+          <a:p>
+            <a:fld id="{7A304655-5D53-B746-8252-3F5A598C52D3}" type="slidenum">
+              <a:rPr lang="en-CN" smtClean="0"/>
+              <a:pPr/>
+              <a:t>11</a:t>
+            </a:fld>
+            <a:endParaRPr lang="en-CN"/>
+          </a:p>
+        </p:txBody>
+      </p:sp>
+      <p:sp>
+        <p:nvSpPr>
+          <p:cNvPr id="3" name="Title 2">
+            <a:extLst>
+              <a:ext uri="{FF2B5EF4-FFF2-40B4-BE49-F238E27FC236}">
+                <a16:creationId xmlns:a16="http://schemas.microsoft.com/office/drawing/2014/main" id="{2817E506-C5AD-7A3D-51AC-EE6793D88A2B}"/>
+              </a:ext>
+            </a:extLst>
+          </p:cNvPr>
+          <p:cNvSpPr>
+            <a:spLocks noGrp="1"/>
+          </p:cNvSpPr>
+          <p:nvPr>
+            <p:ph type="title"/>
+          </p:nvPr>
+        </p:nvSpPr>
+        <p:spPr/>
+        <p:txBody>
+          <a:bodyPr/>
+          <a:lstStyle/>
+          <a:p>
+            <a:r>
+              <a:rPr kumimoji="1" lang="zh-CN" altLang="en-US" dirty="0"/>
+              <a:t>分析冒泡排序</a:t>
+            </a:r>
+          </a:p>
+        </p:txBody>
+      </p:sp>
+      <p:pic>
+        <p:nvPicPr>
+          <p:cNvPr id="4" name="Picture 3">
+            <a:extLst>
+              <a:ext uri="{FF2B5EF4-FFF2-40B4-BE49-F238E27FC236}">
+                <a16:creationId xmlns:a16="http://schemas.microsoft.com/office/drawing/2014/main" id="{9E27F421-41CD-68E5-D96A-36BEBFF2ECCD}"/>
+              </a:ext>
+            </a:extLst>
+          </p:cNvPr>
+          <p:cNvPicPr>
+            <a:picLocks noChangeAspect="1"/>
+          </p:cNvPicPr>
+          <p:nvPr/>
+        </p:nvPicPr>
+        <p:blipFill>
+          <a:blip r:embed="rId2">
+            <a:clrChange>
+              <a:clrFrom>
+                <a:srgbClr val="F5F5F5"/>
+              </a:clrFrom>
+              <a:clrTo>
+                <a:srgbClr val="F5F5F5">
+                  <a:alpha val="0"/>
+                </a:srgbClr>
+              </a:clrTo>
+            </a:clrChange>
+          </a:blip>
+          <a:stretch>
+            <a:fillRect/>
+          </a:stretch>
+        </p:blipFill>
+        <p:spPr>
+          <a:xfrm>
+            <a:off x="301271" y="1040524"/>
+            <a:ext cx="7998385" cy="2926644"/>
+          </a:xfrm>
+          <a:prstGeom prst="rect">
+            <a:avLst/>
+          </a:prstGeom>
+        </p:spPr>
+      </p:pic>
+      <p:sp>
+        <p:nvSpPr>
+          <p:cNvPr id="5" name="TextBox 4">
+            <a:extLst>
+              <a:ext uri="{FF2B5EF4-FFF2-40B4-BE49-F238E27FC236}">
+                <a16:creationId xmlns:a16="http://schemas.microsoft.com/office/drawing/2014/main" id="{1783CDEB-246B-3692-76A3-149E13906B19}"/>
+              </a:ext>
+            </a:extLst>
+          </p:cNvPr>
+          <p:cNvSpPr txBox="1"/>
+          <p:nvPr/>
+        </p:nvSpPr>
+        <p:spPr>
+          <a:xfrm>
+            <a:off x="857956" y="4109156"/>
+            <a:ext cx="6582251" cy="461665"/>
+          </a:xfrm>
+          <a:prstGeom prst="rect">
+            <a:avLst/>
+          </a:prstGeom>
+          <a:noFill/>
+        </p:spPr>
+        <p:txBody>
+          <a:bodyPr wrap="none" rtlCol="0">
+            <a:spAutoFit/>
+          </a:bodyPr>
+          <a:lstStyle/>
+          <a:p>
+            <a:pPr marL="342900" indent="-342900" algn="l">
+              <a:buFont typeface="Arial" panose="020B0604020202020204" pitchFamily="34" charset="0"/>
+              <a:buChar char="•"/>
+            </a:pPr>
+            <a:r>
+              <a:rPr kumimoji="1" lang="zh-CN" altLang="en-US" sz="2400" dirty="0"/>
+              <a:t>每一次循环</a:t>
+            </a:r>
+            <a:r>
+              <a:rPr kumimoji="1" lang="en-US" altLang="zh-CN" sz="2400" dirty="0"/>
+              <a:t>,</a:t>
+            </a:r>
+            <a:r>
+              <a:rPr kumimoji="1" lang="zh-CN" altLang="en-US" sz="2400" dirty="0"/>
+              <a:t> 数组末端的有序区域长度增加</a:t>
+            </a:r>
+            <a:r>
+              <a:rPr kumimoji="1" lang="en-US" altLang="zh-CN" sz="2400" dirty="0"/>
+              <a:t>1.</a:t>
+            </a:r>
+            <a:r>
+              <a:rPr kumimoji="1" lang="zh-CN" altLang="en-US" sz="2400" dirty="0"/>
+              <a:t> </a:t>
+            </a:r>
+          </a:p>
+        </p:txBody>
+      </p:sp>
+    </p:spTree>
+    <p:extLst>
+      <p:ext uri="{BB962C8B-B14F-4D97-AF65-F5344CB8AC3E}">
+        <p14:creationId xmlns:p14="http://schemas.microsoft.com/office/powerpoint/2010/main" val="426490834"/>
+      </p:ext>
+    </p:extLst>
+  </p:cSld>
+  <p:clrMapOvr>
+    <a:masterClrMapping/>
+  </p:clrMapOvr>
+</p:sld>
+</file>
+
+<file path=ppt/slides/slide12.xml><?xml version="1.0" encoding="utf-8"?>
+<p:sld xmlns:a="http://schemas.openxmlformats.org/drawingml/2006/main" xmlns:r="http://schemas.openxmlformats.org/officeDocument/2006/relationships" xmlns:p="http://schemas.openxmlformats.org/presentationml/2006/main">
+  <p:cSld>
+    <p:spTree>
+      <p:nvGrpSpPr>
+        <p:cNvPr id="1" name=""/>
+        <p:cNvGrpSpPr/>
+        <p:nvPr/>
+      </p:nvGrpSpPr>
+      <p:grpSpPr>
+        <a:xfrm>
+          <a:off x="0" y="0"/>
+          <a:ext cx="0" cy="0"/>
+          <a:chOff x="0" y="0"/>
+          <a:chExt cx="0" cy="0"/>
+        </a:xfrm>
+      </p:grpSpPr>
+      <p:sp>
+        <p:nvSpPr>
+          <p:cNvPr id="2" name="Slide Number Placeholder 1">
+            <a:extLst>
+              <a:ext uri="{FF2B5EF4-FFF2-40B4-BE49-F238E27FC236}">
+                <a16:creationId xmlns:a16="http://schemas.microsoft.com/office/drawing/2014/main" id="{B2CCAE67-E7F5-990C-DDAB-15ABE686E368}"/>
+              </a:ext>
+            </a:extLst>
+          </p:cNvPr>
+          <p:cNvSpPr>
+            <a:spLocks noGrp="1"/>
+          </p:cNvSpPr>
+          <p:nvPr>
+            <p:ph type="sldNum" sz="quarter" idx="12"/>
+          </p:nvPr>
+        </p:nvSpPr>
+        <p:spPr/>
+        <p:txBody>
+          <a:bodyPr/>
+          <a:lstStyle/>
+          <a:p>
+            <a:fld id="{7A304655-5D53-B746-8252-3F5A598C52D3}" type="slidenum">
+              <a:rPr lang="en-CN" smtClean="0"/>
+              <a:pPr/>
+              <a:t>12</a:t>
+            </a:fld>
+            <a:endParaRPr lang="en-CN"/>
+          </a:p>
+        </p:txBody>
+      </p:sp>
+      <p:sp>
+        <p:nvSpPr>
+          <p:cNvPr id="3" name="Title 2">
+            <a:extLst>
+              <a:ext uri="{FF2B5EF4-FFF2-40B4-BE49-F238E27FC236}">
+                <a16:creationId xmlns:a16="http://schemas.microsoft.com/office/drawing/2014/main" id="{5181E9FF-6A8C-43CD-8854-F7392522E39E}"/>
+              </a:ext>
+            </a:extLst>
+          </p:cNvPr>
+          <p:cNvSpPr>
+            <a:spLocks noGrp="1"/>
+          </p:cNvSpPr>
+          <p:nvPr>
+            <p:ph type="title"/>
+          </p:nvPr>
+        </p:nvSpPr>
+        <p:spPr/>
+        <p:txBody>
+          <a:bodyPr/>
+          <a:lstStyle/>
+          <a:p>
+            <a:r>
+              <a:rPr kumimoji="1" lang="zh-CN" altLang="en-US" dirty="0"/>
+              <a:t>时间复杂度</a:t>
+            </a:r>
+          </a:p>
+        </p:txBody>
+      </p:sp>
+      <p:pic>
+        <p:nvPicPr>
+          <p:cNvPr id="4" name="Picture 3">
+            <a:extLst>
+              <a:ext uri="{FF2B5EF4-FFF2-40B4-BE49-F238E27FC236}">
+                <a16:creationId xmlns:a16="http://schemas.microsoft.com/office/drawing/2014/main" id="{EBA5E940-651F-75AB-87C4-2A6AE4AB8291}"/>
+              </a:ext>
+            </a:extLst>
+          </p:cNvPr>
+          <p:cNvPicPr>
+            <a:picLocks noChangeAspect="1"/>
+          </p:cNvPicPr>
+          <p:nvPr/>
+        </p:nvPicPr>
+        <p:blipFill>
+          <a:blip r:embed="rId2">
+            <a:clrChange>
+              <a:clrFrom>
+                <a:srgbClr val="F5F5F5"/>
+              </a:clrFrom>
+              <a:clrTo>
+                <a:srgbClr val="F5F5F5">
+                  <a:alpha val="0"/>
+                </a:srgbClr>
+              </a:clrTo>
+            </a:clrChange>
+          </a:blip>
+          <a:stretch>
+            <a:fillRect/>
+          </a:stretch>
+        </p:blipFill>
+        <p:spPr>
+          <a:xfrm>
+            <a:off x="628650" y="1187450"/>
+            <a:ext cx="8340892" cy="3305528"/>
+          </a:xfrm>
+          <a:prstGeom prst="rect">
+            <a:avLst/>
+          </a:prstGeom>
+        </p:spPr>
+      </p:pic>
+    </p:spTree>
+    <p:extLst>
+      <p:ext uri="{BB962C8B-B14F-4D97-AF65-F5344CB8AC3E}">
+        <p14:creationId xmlns:p14="http://schemas.microsoft.com/office/powerpoint/2010/main" val="3718327793"/>
+      </p:ext>
+    </p:extLst>
+  </p:cSld>
+  <p:clrMapOvr>
+    <a:masterClrMapping/>
+  </p:clrMapOvr>
+</p:sld>
+</file>
+
+<file path=ppt/slides/slide13.xml><?xml version="1.0" encoding="utf-8"?>
+<p:sld xmlns:a="http://schemas.openxmlformats.org/drawingml/2006/main" xmlns:r="http://schemas.openxmlformats.org/officeDocument/2006/relationships" xmlns:p="http://schemas.openxmlformats.org/presentationml/2006/main">
+  <p:cSld>
+    <p:spTree>
+      <p:nvGrpSpPr>
+        <p:cNvPr id="1" name=""/>
+        <p:cNvGrpSpPr/>
+        <p:nvPr/>
+      </p:nvGrpSpPr>
+      <p:grpSpPr>
+        <a:xfrm>
+          <a:off x="0" y="0"/>
+          <a:ext cx="0" cy="0"/>
+          <a:chOff x="0" y="0"/>
+          <a:chExt cx="0" cy="0"/>
+        </a:xfrm>
+      </p:grpSpPr>
+      <p:sp>
+        <p:nvSpPr>
+          <p:cNvPr id="2" name="Slide Number Placeholder 1">
+            <a:extLst>
+              <a:ext uri="{FF2B5EF4-FFF2-40B4-BE49-F238E27FC236}">
+                <a16:creationId xmlns:a16="http://schemas.microsoft.com/office/drawing/2014/main" id="{574F1505-2229-CC03-59E7-E786A1D4BDAC}"/>
+              </a:ext>
+            </a:extLst>
+          </p:cNvPr>
+          <p:cNvSpPr>
+            <a:spLocks noGrp="1"/>
+          </p:cNvSpPr>
+          <p:nvPr>
+            <p:ph type="sldNum" sz="quarter" idx="12"/>
+          </p:nvPr>
+        </p:nvSpPr>
+        <p:spPr/>
+        <p:txBody>
+          <a:bodyPr/>
+          <a:lstStyle/>
+          <a:p>
+            <a:fld id="{7A304655-5D53-B746-8252-3F5A598C52D3}" type="slidenum">
+              <a:rPr lang="en-CN" smtClean="0"/>
+              <a:pPr/>
+              <a:t>13</a:t>
+            </a:fld>
+            <a:endParaRPr lang="en-CN"/>
+          </a:p>
+        </p:txBody>
+      </p:sp>
+      <p:sp>
+        <p:nvSpPr>
+          <p:cNvPr id="4" name="Title 3">
+            <a:extLst>
+              <a:ext uri="{FF2B5EF4-FFF2-40B4-BE49-F238E27FC236}">
+                <a16:creationId xmlns:a16="http://schemas.microsoft.com/office/drawing/2014/main" id="{3A83D450-D4ED-CE36-13D7-575BC79AB798}"/>
+              </a:ext>
+            </a:extLst>
+          </p:cNvPr>
+          <p:cNvSpPr>
+            <a:spLocks noGrp="1"/>
+          </p:cNvSpPr>
+          <p:nvPr>
+            <p:ph type="title"/>
+          </p:nvPr>
+        </p:nvSpPr>
+        <p:spPr/>
+        <p:txBody>
+          <a:bodyPr/>
+          <a:lstStyle/>
+          <a:p>
+            <a:r>
+              <a:rPr lang="zh-CN" altLang="en-US" dirty="0"/>
+              <a:t>几种随着输入规模增长的时间</a:t>
+            </a:r>
+          </a:p>
+        </p:txBody>
+      </p:sp>
+    </p:spTree>
+    <p:extLst>
+      <p:ext uri="{BB962C8B-B14F-4D97-AF65-F5344CB8AC3E}">
+        <p14:creationId xmlns:p14="http://schemas.microsoft.com/office/powerpoint/2010/main" val="1373794078"/>
+      </p:ext>
+    </p:extLst>
+  </p:cSld>
+  <p:clrMapOvr>
+    <a:masterClrMapping/>
+  </p:clrMapOvr>
+</p:sld>
+</file>
+
+<file path=ppt/slides/slide14.xml><?xml version="1.0" encoding="utf-8"?>
+<p:sld xmlns:a="http://schemas.openxmlformats.org/drawingml/2006/main" xmlns:r="http://schemas.openxmlformats.org/officeDocument/2006/relationships" xmlns:p="http://schemas.openxmlformats.org/presentationml/2006/main">
+  <p:cSld>
+    <p:spTree>
+      <p:nvGrpSpPr>
+        <p:cNvPr id="1" name=""/>
+        <p:cNvGrpSpPr/>
+        <p:nvPr/>
+      </p:nvGrpSpPr>
+      <p:grpSpPr>
+        <a:xfrm>
+          <a:off x="0" y="0"/>
+          <a:ext cx="0" cy="0"/>
+          <a:chOff x="0" y="0"/>
+          <a:chExt cx="0" cy="0"/>
+        </a:xfrm>
+      </p:grpSpPr>
+      <p:sp>
+        <p:nvSpPr>
+          <p:cNvPr id="2" name="Slide Number Placeholder 1">
+            <a:extLst>
+              <a:ext uri="{FF2B5EF4-FFF2-40B4-BE49-F238E27FC236}">
+                <a16:creationId xmlns:a16="http://schemas.microsoft.com/office/drawing/2014/main" id="{3FC7B774-E56E-37BF-CA7F-8933F7DA9BE3}"/>
+              </a:ext>
+            </a:extLst>
+          </p:cNvPr>
+          <p:cNvSpPr>
+            <a:spLocks noGrp="1"/>
+          </p:cNvSpPr>
+          <p:nvPr>
+            <p:ph type="sldNum" sz="quarter" idx="12"/>
+          </p:nvPr>
+        </p:nvSpPr>
+        <p:spPr/>
+        <p:txBody>
+          <a:bodyPr/>
+          <a:lstStyle/>
+          <a:p>
+            <a:fld id="{7A304655-5D53-B746-8252-3F5A598C52D3}" type="slidenum">
+              <a:rPr lang="en-CN" smtClean="0"/>
+              <a:pPr/>
+              <a:t>14</a:t>
+            </a:fld>
+            <a:endParaRPr lang="en-CN"/>
+          </a:p>
+        </p:txBody>
+      </p:sp>
+      <p:sp>
+        <p:nvSpPr>
+          <p:cNvPr id="3" name="Title 2">
+            <a:extLst>
+              <a:ext uri="{FF2B5EF4-FFF2-40B4-BE49-F238E27FC236}">
+                <a16:creationId xmlns:a16="http://schemas.microsoft.com/office/drawing/2014/main" id="{38D6BD50-91DD-299B-0696-C9940216416E}"/>
+              </a:ext>
+            </a:extLst>
+          </p:cNvPr>
+          <p:cNvSpPr>
+            <a:spLocks noGrp="1"/>
+          </p:cNvSpPr>
+          <p:nvPr>
+            <p:ph type="title"/>
+          </p:nvPr>
+        </p:nvSpPr>
+        <p:spPr/>
+        <p:txBody>
+          <a:bodyPr/>
+          <a:lstStyle/>
+          <a:p>
+            <a:r>
+              <a:rPr kumimoji="1" lang="zh-CN" altLang="en-US" dirty="0"/>
+              <a:t>数组</a:t>
+            </a:r>
+          </a:p>
+        </p:txBody>
+      </p:sp>
+      <p:pic>
+        <p:nvPicPr>
+          <p:cNvPr id="4" name="Picture 3">
+            <a:extLst>
+              <a:ext uri="{FF2B5EF4-FFF2-40B4-BE49-F238E27FC236}">
+                <a16:creationId xmlns:a16="http://schemas.microsoft.com/office/drawing/2014/main" id="{2A92BA52-AB0F-1135-972D-2506F8039C2E}"/>
+              </a:ext>
+            </a:extLst>
+          </p:cNvPr>
+          <p:cNvPicPr>
+            <a:picLocks noChangeAspect="1"/>
+          </p:cNvPicPr>
+          <p:nvPr/>
+        </p:nvPicPr>
+        <p:blipFill>
+          <a:blip r:embed="rId2">
+            <a:clrChange>
+              <a:clrFrom>
+                <a:srgbClr val="F5F5F5"/>
+              </a:clrFrom>
+              <a:clrTo>
+                <a:srgbClr val="F5F5F5">
+                  <a:alpha val="0"/>
+                </a:srgbClr>
+              </a:clrTo>
+            </a:clrChange>
+          </a:blip>
+          <a:stretch>
+            <a:fillRect/>
+          </a:stretch>
+        </p:blipFill>
+        <p:spPr>
+          <a:xfrm>
+            <a:off x="628649" y="1040524"/>
+            <a:ext cx="7475455" cy="5134498"/>
+          </a:xfrm>
+          <a:prstGeom prst="rect">
+            <a:avLst/>
+          </a:prstGeom>
+        </p:spPr>
+      </p:pic>
+    </p:spTree>
+    <p:extLst>
+      <p:ext uri="{BB962C8B-B14F-4D97-AF65-F5344CB8AC3E}">
+        <p14:creationId xmlns:p14="http://schemas.microsoft.com/office/powerpoint/2010/main" val="720061091"/>
+      </p:ext>
+    </p:extLst>
+  </p:cSld>
+  <p:clrMapOvr>
+    <a:masterClrMapping/>
+  </p:clrMapOvr>
+</p:sld>
+</file>
+
+<file path=ppt/slides/slide15.xml><?xml version="1.0" encoding="utf-8"?>
+<p:sld xmlns:a="http://schemas.openxmlformats.org/drawingml/2006/main" xmlns:r="http://schemas.openxmlformats.org/officeDocument/2006/relationships" xmlns:p="http://schemas.openxmlformats.org/presentationml/2006/main">
+  <p:cSld>
+    <p:spTree>
+      <p:nvGrpSpPr>
+        <p:cNvPr id="1" name=""/>
+        <p:cNvGrpSpPr/>
+        <p:nvPr/>
+      </p:nvGrpSpPr>
+      <p:grpSpPr>
+        <a:xfrm>
+          <a:off x="0" y="0"/>
+          <a:ext cx="0" cy="0"/>
+          <a:chOff x="0" y="0"/>
+          <a:chExt cx="0" cy="0"/>
+        </a:xfrm>
+      </p:grpSpPr>
+      <p:sp>
+        <p:nvSpPr>
+          <p:cNvPr id="2" name="Slide Number Placeholder 1">
+            <a:extLst>
+              <a:ext uri="{FF2B5EF4-FFF2-40B4-BE49-F238E27FC236}">
+                <a16:creationId xmlns:a16="http://schemas.microsoft.com/office/drawing/2014/main" id="{C226EE2D-C00D-EC65-C9B4-D17CF0966C4F}"/>
+              </a:ext>
+            </a:extLst>
+          </p:cNvPr>
+          <p:cNvSpPr>
+            <a:spLocks noGrp="1"/>
+          </p:cNvSpPr>
+          <p:nvPr>
+            <p:ph type="sldNum" sz="quarter" idx="12"/>
+          </p:nvPr>
+        </p:nvSpPr>
+        <p:spPr/>
+        <p:txBody>
+          <a:bodyPr/>
+          <a:lstStyle/>
+          <a:p>
+            <a:fld id="{7A304655-5D53-B746-8252-3F5A598C52D3}" type="slidenum">
+              <a:rPr lang="en-CN" smtClean="0"/>
+              <a:pPr/>
+              <a:t>15</a:t>
+            </a:fld>
+            <a:endParaRPr lang="en-CN"/>
+          </a:p>
+        </p:txBody>
+      </p:sp>
+      <p:sp>
+        <p:nvSpPr>
+          <p:cNvPr id="3" name="Title 2">
+            <a:extLst>
+              <a:ext uri="{FF2B5EF4-FFF2-40B4-BE49-F238E27FC236}">
+                <a16:creationId xmlns:a16="http://schemas.microsoft.com/office/drawing/2014/main" id="{C3E1BFC5-602C-8153-3360-ABA213579A80}"/>
+              </a:ext>
+            </a:extLst>
+          </p:cNvPr>
+          <p:cNvSpPr>
+            <a:spLocks noGrp="1"/>
+          </p:cNvSpPr>
+          <p:nvPr>
+            <p:ph type="title"/>
+          </p:nvPr>
+        </p:nvSpPr>
+        <p:spPr/>
+        <p:txBody>
+          <a:bodyPr/>
+          <a:lstStyle/>
+          <a:p>
+            <a:r>
+              <a:rPr kumimoji="1" lang="zh-CN" altLang="en-US" dirty="0"/>
+              <a:t>用数学的语言描述</a:t>
+            </a:r>
+          </a:p>
+        </p:txBody>
+      </p:sp>
+      <p:pic>
+        <p:nvPicPr>
+          <p:cNvPr id="4" name="Picture 3">
+            <a:extLst>
+              <a:ext uri="{FF2B5EF4-FFF2-40B4-BE49-F238E27FC236}">
+                <a16:creationId xmlns:a16="http://schemas.microsoft.com/office/drawing/2014/main" id="{B03FCC86-F5B6-46C7-D3BB-602E24567AFF}"/>
+              </a:ext>
+            </a:extLst>
+          </p:cNvPr>
+          <p:cNvPicPr>
+            <a:picLocks noChangeAspect="1"/>
+          </p:cNvPicPr>
+          <p:nvPr/>
+        </p:nvPicPr>
+        <p:blipFill>
+          <a:blip r:embed="rId2">
+            <a:clrChange>
+              <a:clrFrom>
+                <a:srgbClr val="F5F5F5"/>
+              </a:clrFrom>
+              <a:clrTo>
+                <a:srgbClr val="F5F5F5">
+                  <a:alpha val="0"/>
+                </a:srgbClr>
+              </a:clrTo>
+            </a:clrChange>
+          </a:blip>
+          <a:stretch>
+            <a:fillRect/>
+          </a:stretch>
+        </p:blipFill>
+        <p:spPr>
+          <a:xfrm>
+            <a:off x="628649" y="1192389"/>
+            <a:ext cx="8013437" cy="4361744"/>
+          </a:xfrm>
+          <a:prstGeom prst="rect">
+            <a:avLst/>
+          </a:prstGeom>
+        </p:spPr>
+      </p:pic>
+    </p:spTree>
+    <p:extLst>
+      <p:ext uri="{BB962C8B-B14F-4D97-AF65-F5344CB8AC3E}">
+        <p14:creationId xmlns:p14="http://schemas.microsoft.com/office/powerpoint/2010/main" val="4281725281"/>
+      </p:ext>
+    </p:extLst>
+  </p:cSld>
+  <p:clrMapOvr>
+    <a:masterClrMapping/>
+  </p:clrMapOvr>
+</p:sld>
+</file>
+
+<file path=ppt/slides/slide16.xml><?xml version="1.0" encoding="utf-8"?>
+<p:sld xmlns:a="http://schemas.openxmlformats.org/drawingml/2006/main" xmlns:r="http://schemas.openxmlformats.org/officeDocument/2006/relationships" xmlns:p="http://schemas.openxmlformats.org/presentationml/2006/main">
+  <p:cSld>
+    <p:spTree>
+      <p:nvGrpSpPr>
+        <p:cNvPr id="1" name=""/>
+        <p:cNvGrpSpPr/>
+        <p:nvPr/>
+      </p:nvGrpSpPr>
+      <p:grpSpPr>
+        <a:xfrm>
+          <a:off x="0" y="0"/>
+          <a:ext cx="0" cy="0"/>
+          <a:chOff x="0" y="0"/>
+          <a:chExt cx="0" cy="0"/>
+        </a:xfrm>
+      </p:grpSpPr>
+      <p:sp>
+        <p:nvSpPr>
+          <p:cNvPr id="2" name="Slide Number Placeholder 1">
+            <a:extLst>
+              <a:ext uri="{FF2B5EF4-FFF2-40B4-BE49-F238E27FC236}">
+                <a16:creationId xmlns:a16="http://schemas.microsoft.com/office/drawing/2014/main" id="{B21780A8-2A62-1D37-FA41-493440D7A0C2}"/>
+              </a:ext>
+            </a:extLst>
+          </p:cNvPr>
+          <p:cNvSpPr>
+            <a:spLocks noGrp="1"/>
+          </p:cNvSpPr>
+          <p:nvPr>
+            <p:ph type="sldNum" sz="quarter" idx="12"/>
+          </p:nvPr>
+        </p:nvSpPr>
+        <p:spPr/>
+        <p:txBody>
+          <a:bodyPr/>
+          <a:lstStyle/>
+          <a:p>
+            <a:fld id="{7A304655-5D53-B746-8252-3F5A598C52D3}" type="slidenum">
+              <a:rPr lang="en-CN" smtClean="0"/>
+              <a:pPr/>
+              <a:t>16</a:t>
             </a:fld>
             <a:endParaRPr lang="en-CN"/>
           </a:p>
@@ -2269,7 +3731,7 @@
     </p:spTree>
     <p:extLst>
       <p:ext uri="{BB962C8B-B14F-4D97-AF65-F5344CB8AC3E}">
-        <p14:creationId xmlns:p14="http://schemas.microsoft.com/office/powerpoint/2010/main" val="1646968304"/>
+        <p14:creationId xmlns:p14="http://schemas.microsoft.com/office/powerpoint/2010/main" val="1222563620"/>
       </p:ext>
     </p:extLst>
   </p:cSld>
@@ -2301,7 +3763,7 @@
           <p:cNvPr id="2" name="Slide Number Placeholder 1">
             <a:extLst>
               <a:ext uri="{FF2B5EF4-FFF2-40B4-BE49-F238E27FC236}">
-                <a16:creationId xmlns:a16="http://schemas.microsoft.com/office/drawing/2014/main" id="{221EDF88-8D28-2A7D-1737-B9112AC5E0F0}"/>
+                <a16:creationId xmlns:a16="http://schemas.microsoft.com/office/drawing/2014/main" id="{1FCF335F-8BE2-5E2A-8D82-040575115A29}"/>
               </a:ext>
             </a:extLst>
           </p:cNvPr>
@@ -2322,7 +3784,128 @@
               <a:pPr/>
               <a:t>2</a:t>
             </a:fld>
-            <a:endParaRPr lang="en-CN" dirty="0"/>
+            <a:endParaRPr lang="en-CN"/>
+          </a:p>
+        </p:txBody>
+      </p:sp>
+      <p:sp>
+        <p:nvSpPr>
+          <p:cNvPr id="4" name="Title 3">
+            <a:extLst>
+              <a:ext uri="{FF2B5EF4-FFF2-40B4-BE49-F238E27FC236}">
+                <a16:creationId xmlns:a16="http://schemas.microsoft.com/office/drawing/2014/main" id="{F68C8E96-C9F4-AB6A-5C2D-7AF64B626258}"/>
+              </a:ext>
+            </a:extLst>
+          </p:cNvPr>
+          <p:cNvSpPr>
+            <a:spLocks noGrp="1"/>
+          </p:cNvSpPr>
+          <p:nvPr>
+            <p:ph type="title"/>
+          </p:nvPr>
+        </p:nvSpPr>
+        <p:spPr/>
+        <p:txBody>
+          <a:bodyPr/>
+          <a:lstStyle/>
+          <a:p>
+            <a:r>
+              <a:rPr lang="zh-CN" altLang="en-US" dirty="0"/>
+              <a:t>排序算法 </a:t>
+            </a:r>
+            <a:r>
+              <a:rPr lang="en-US" altLang="zh-CN" dirty="0"/>
+              <a:t>I</a:t>
+            </a:r>
+            <a:endParaRPr lang="zh-CN" altLang="en-US" dirty="0"/>
+          </a:p>
+        </p:txBody>
+      </p:sp>
+    </p:spTree>
+    <p:extLst>
+      <p:ext uri="{BB962C8B-B14F-4D97-AF65-F5344CB8AC3E}">
+        <p14:creationId xmlns:p14="http://schemas.microsoft.com/office/powerpoint/2010/main" val="383237395"/>
+      </p:ext>
+    </p:extLst>
+  </p:cSld>
+  <p:clrMapOvr>
+    <a:masterClrMapping/>
+  </p:clrMapOvr>
+</p:sld>
+</file>
+
+<file path=ppt/slides/slide3.xml><?xml version="1.0" encoding="utf-8"?>
+<p:sld xmlns:a="http://schemas.openxmlformats.org/drawingml/2006/main" xmlns:r="http://schemas.openxmlformats.org/officeDocument/2006/relationships" xmlns:p="http://schemas.openxmlformats.org/presentationml/2006/main">
+  <p:cSld>
+    <p:spTree>
+      <p:nvGrpSpPr>
+        <p:cNvPr id="1" name=""/>
+        <p:cNvGrpSpPr/>
+        <p:nvPr/>
+      </p:nvGrpSpPr>
+      <p:grpSpPr>
+        <a:xfrm>
+          <a:off x="0" y="0"/>
+          <a:ext cx="0" cy="0"/>
+          <a:chOff x="0" y="0"/>
+          <a:chExt cx="0" cy="0"/>
+        </a:xfrm>
+      </p:grpSpPr>
+      <p:sp>
+        <p:nvSpPr>
+          <p:cNvPr id="2" name="Slide Number Placeholder 1">
+            <a:extLst>
+              <a:ext uri="{FF2B5EF4-FFF2-40B4-BE49-F238E27FC236}">
+                <a16:creationId xmlns:a16="http://schemas.microsoft.com/office/drawing/2014/main" id="{9275E3D3-02D6-42BD-446C-8DDF63D1F353}"/>
+              </a:ext>
+            </a:extLst>
+          </p:cNvPr>
+          <p:cNvSpPr>
+            <a:spLocks noGrp="1"/>
+          </p:cNvSpPr>
+          <p:nvPr>
+            <p:ph type="sldNum" sz="quarter" idx="12"/>
+          </p:nvPr>
+        </p:nvSpPr>
+        <p:spPr/>
+        <p:txBody>
+          <a:bodyPr/>
+          <a:lstStyle/>
+          <a:p>
+            <a:fld id="{7A304655-5D53-B746-8252-3F5A598C52D3}" type="slidenum">
+              <a:rPr lang="en-CN" smtClean="0"/>
+              <a:pPr/>
+              <a:t>3</a:t>
+            </a:fld>
+            <a:endParaRPr lang="en-CN"/>
+          </a:p>
+        </p:txBody>
+      </p:sp>
+      <p:sp>
+        <p:nvSpPr>
+          <p:cNvPr id="3" name="Title 2">
+            <a:extLst>
+              <a:ext uri="{FF2B5EF4-FFF2-40B4-BE49-F238E27FC236}">
+                <a16:creationId xmlns:a16="http://schemas.microsoft.com/office/drawing/2014/main" id="{0D6BA059-F0DC-F83B-299B-145A51AA1384}"/>
+              </a:ext>
+            </a:extLst>
+          </p:cNvPr>
+          <p:cNvSpPr>
+            <a:spLocks noGrp="1"/>
+          </p:cNvSpPr>
+          <p:nvPr>
+            <p:ph type="title"/>
+          </p:nvPr>
+        </p:nvSpPr>
+        <p:spPr/>
+        <p:txBody>
+          <a:bodyPr/>
+          <a:lstStyle/>
+          <a:p>
+            <a:r>
+              <a:rPr kumimoji="1" lang="zh-CN" altLang="en-US" dirty="0"/>
+              <a:t>年轻人的第一个排序算法</a:t>
+            </a:r>
           </a:p>
         </p:txBody>
       </p:sp>
@@ -2331,7 +3914,7 @@
           <p:cNvPr id="4" name="TextBox 3">
             <a:extLst>
               <a:ext uri="{FF2B5EF4-FFF2-40B4-BE49-F238E27FC236}">
-                <a16:creationId xmlns:a16="http://schemas.microsoft.com/office/drawing/2014/main" id="{8B29882B-FFAE-239E-8E47-130FA67976AD}"/>
+                <a16:creationId xmlns:a16="http://schemas.microsoft.com/office/drawing/2014/main" id="{F9636C1F-6BC1-729F-8A37-36496603E974}"/>
               </a:ext>
             </a:extLst>
           </p:cNvPr>
@@ -2340,8 +3923,8 @@
         </p:nvSpPr>
         <p:spPr>
           <a:xfrm>
-            <a:off x="4572000" y="2194560"/>
-            <a:ext cx="3818963" cy="1323439"/>
+            <a:off x="735532" y="1124217"/>
+            <a:ext cx="6258445" cy="1569660"/>
           </a:xfrm>
           <a:prstGeom prst="rect">
             <a:avLst/>
@@ -2349,33 +3932,663 @@
           <a:noFill/>
         </p:spPr>
         <p:txBody>
-          <a:bodyPr wrap="square" rtlCol="0">
+          <a:bodyPr wrap="none" rtlCol="0">
             <a:spAutoFit/>
           </a:bodyPr>
           <a:lstStyle/>
           <a:p>
-            <a:pPr algn="r"/>
-            <a:r>
-              <a:rPr kumimoji="1" lang="zh-CN" altLang="en-US" sz="4000" dirty="0"/>
-              <a:t>基本算法</a:t>
-            </a:r>
-            <a:endParaRPr kumimoji="1" lang="en-US" altLang="zh-CN" sz="4000" dirty="0"/>
-          </a:p>
-          <a:p>
-            <a:pPr algn="r"/>
-            <a:r>
-              <a:rPr kumimoji="1" lang="zh-CN" altLang="en-US" sz="4000" dirty="0"/>
-              <a:t>和要思考的问题</a:t>
-            </a:r>
-          </a:p>
-        </p:txBody>
-      </p:sp>
-      <p:sp>
-        <p:nvSpPr>
-          <p:cNvPr id="5" name="TextBox 4">
-            <a:extLst>
-              <a:ext uri="{FF2B5EF4-FFF2-40B4-BE49-F238E27FC236}">
-                <a16:creationId xmlns:a16="http://schemas.microsoft.com/office/drawing/2014/main" id="{FDFE109F-B3F0-E3BC-3AC3-5385038B9CFC}"/>
+            <a:pPr marL="342900" indent="-342900" algn="l">
+              <a:buFont typeface="Arial" panose="020B0604020202020204" pitchFamily="34" charset="0"/>
+              <a:buChar char="•"/>
+            </a:pPr>
+            <a:r>
+              <a:rPr kumimoji="1" lang="zh-CN" altLang="en-US" sz="2400" dirty="0"/>
+              <a:t>高中做法</a:t>
+            </a:r>
+            <a:r>
+              <a:rPr kumimoji="1" lang="en-US" altLang="zh-CN" sz="2400" dirty="0"/>
+              <a:t>:</a:t>
+            </a:r>
+            <a:r>
+              <a:rPr kumimoji="1" lang="zh-CN" altLang="en-US" sz="2400" dirty="0"/>
+              <a:t> </a:t>
+            </a:r>
+            <a:endParaRPr kumimoji="1" lang="en-US" altLang="zh-CN" sz="2400" dirty="0"/>
+          </a:p>
+          <a:p>
+            <a:pPr marL="800100" lvl="1" indent="-342900">
+              <a:buFont typeface="Arial" panose="020B0604020202020204" pitchFamily="34" charset="0"/>
+              <a:buChar char="•"/>
+            </a:pPr>
+            <a:r>
+              <a:rPr kumimoji="1" lang="zh-CN" altLang="en-US" sz="2400" dirty="0"/>
+              <a:t>挑最高的出来</a:t>
+            </a:r>
+            <a:r>
+              <a:rPr kumimoji="1" lang="en-US" altLang="zh-CN" sz="2400" dirty="0"/>
+              <a:t>,</a:t>
+            </a:r>
+            <a:r>
+              <a:rPr kumimoji="1" lang="zh-CN" altLang="en-US" sz="2400" dirty="0"/>
+              <a:t> 标上</a:t>
+            </a:r>
+            <a:r>
+              <a:rPr kumimoji="1" lang="en-US" altLang="zh-CN" sz="2400" dirty="0"/>
+              <a:t>1</a:t>
+            </a:r>
+          </a:p>
+          <a:p>
+            <a:pPr marL="800100" lvl="1" indent="-342900">
+              <a:buFont typeface="Arial" panose="020B0604020202020204" pitchFamily="34" charset="0"/>
+              <a:buChar char="•"/>
+            </a:pPr>
+            <a:r>
+              <a:rPr kumimoji="1" lang="zh-CN" altLang="en-US" sz="2400" dirty="0"/>
+              <a:t>之后再没有标的人里面挑最高的</a:t>
+            </a:r>
+            <a:r>
+              <a:rPr kumimoji="1" lang="en-US" altLang="zh-CN" sz="2400" dirty="0"/>
+              <a:t>,</a:t>
+            </a:r>
+            <a:r>
+              <a:rPr kumimoji="1" lang="zh-CN" altLang="en-US" sz="2400" dirty="0"/>
+              <a:t> 标上</a:t>
+            </a:r>
+            <a:r>
+              <a:rPr kumimoji="1" lang="en-US" altLang="zh-CN" sz="2400" dirty="0"/>
+              <a:t>2</a:t>
+            </a:r>
+          </a:p>
+          <a:p>
+            <a:pPr marL="800100" lvl="1" indent="-342900">
+              <a:buFont typeface="Arial" panose="020B0604020202020204" pitchFamily="34" charset="0"/>
+              <a:buChar char="•"/>
+            </a:pPr>
+            <a:r>
+              <a:rPr kumimoji="1" lang="zh-CN" altLang="en-US" sz="2400" dirty="0"/>
+              <a:t>循环</a:t>
+            </a:r>
+            <a:r>
+              <a:rPr kumimoji="1" lang="en-US" altLang="zh-CN" sz="2400" dirty="0"/>
+              <a:t>,</a:t>
+            </a:r>
+            <a:r>
+              <a:rPr kumimoji="1" lang="zh-CN" altLang="en-US" sz="2400" dirty="0"/>
+              <a:t> 直到所有的人都标好了</a:t>
+            </a:r>
+          </a:p>
+        </p:txBody>
+      </p:sp>
+      <p:pic>
+        <p:nvPicPr>
+          <p:cNvPr id="6" name="Picture 5">
+            <a:extLst>
+              <a:ext uri="{FF2B5EF4-FFF2-40B4-BE49-F238E27FC236}">
+                <a16:creationId xmlns:a16="http://schemas.microsoft.com/office/drawing/2014/main" id="{51BB7FC3-2FCD-C81C-CD4A-C5FD1D337D31}"/>
+              </a:ext>
+            </a:extLst>
+          </p:cNvPr>
+          <p:cNvPicPr>
+            <a:picLocks noChangeAspect="1"/>
+          </p:cNvPicPr>
+          <p:nvPr/>
+        </p:nvPicPr>
+        <p:blipFill>
+          <a:blip r:embed="rId2">
+            <a:clrChange>
+              <a:clrFrom>
+                <a:srgbClr val="F5F5F5"/>
+              </a:clrFrom>
+              <a:clrTo>
+                <a:srgbClr val="F5F5F5">
+                  <a:alpha val="0"/>
+                </a:srgbClr>
+              </a:clrTo>
+            </a:clrChange>
+          </a:blip>
+          <a:stretch>
+            <a:fillRect/>
+          </a:stretch>
+        </p:blipFill>
+        <p:spPr>
+          <a:xfrm>
+            <a:off x="628650" y="2693877"/>
+            <a:ext cx="6155972" cy="3594251"/>
+          </a:xfrm>
+          <a:prstGeom prst="rect">
+            <a:avLst/>
+          </a:prstGeom>
+        </p:spPr>
+      </p:pic>
+    </p:spTree>
+    <p:extLst>
+      <p:ext uri="{BB962C8B-B14F-4D97-AF65-F5344CB8AC3E}">
+        <p14:creationId xmlns:p14="http://schemas.microsoft.com/office/powerpoint/2010/main" val="2225206618"/>
+      </p:ext>
+    </p:extLst>
+  </p:cSld>
+  <p:clrMapOvr>
+    <a:masterClrMapping/>
+  </p:clrMapOvr>
+</p:sld>
+</file>
+
+<file path=ppt/slides/slide4.xml><?xml version="1.0" encoding="utf-8"?>
+<p:sld xmlns:a="http://schemas.openxmlformats.org/drawingml/2006/main" xmlns:r="http://schemas.openxmlformats.org/officeDocument/2006/relationships" xmlns:p="http://schemas.openxmlformats.org/presentationml/2006/main">
+  <p:cSld>
+    <p:spTree>
+      <p:nvGrpSpPr>
+        <p:cNvPr id="1" name=""/>
+        <p:cNvGrpSpPr/>
+        <p:nvPr/>
+      </p:nvGrpSpPr>
+      <p:grpSpPr>
+        <a:xfrm>
+          <a:off x="0" y="0"/>
+          <a:ext cx="0" cy="0"/>
+          <a:chOff x="0" y="0"/>
+          <a:chExt cx="0" cy="0"/>
+        </a:xfrm>
+      </p:grpSpPr>
+      <p:sp>
+        <p:nvSpPr>
+          <p:cNvPr id="2" name="Slide Number Placeholder 1">
+            <a:extLst>
+              <a:ext uri="{FF2B5EF4-FFF2-40B4-BE49-F238E27FC236}">
+                <a16:creationId xmlns:a16="http://schemas.microsoft.com/office/drawing/2014/main" id="{E74FDD48-A953-1498-98BD-1CBCA69A420F}"/>
+              </a:ext>
+            </a:extLst>
+          </p:cNvPr>
+          <p:cNvSpPr>
+            <a:spLocks noGrp="1"/>
+          </p:cNvSpPr>
+          <p:nvPr>
+            <p:ph type="sldNum" sz="quarter" idx="12"/>
+          </p:nvPr>
+        </p:nvSpPr>
+        <p:spPr/>
+        <p:txBody>
+          <a:bodyPr/>
+          <a:lstStyle/>
+          <a:p>
+            <a:fld id="{7A304655-5D53-B746-8252-3F5A598C52D3}" type="slidenum">
+              <a:rPr lang="en-CN" smtClean="0"/>
+              <a:pPr/>
+              <a:t>4</a:t>
+            </a:fld>
+            <a:endParaRPr lang="en-CN"/>
+          </a:p>
+        </p:txBody>
+      </p:sp>
+      <p:sp>
+        <p:nvSpPr>
+          <p:cNvPr id="3" name="Title 2">
+            <a:extLst>
+              <a:ext uri="{FF2B5EF4-FFF2-40B4-BE49-F238E27FC236}">
+                <a16:creationId xmlns:a16="http://schemas.microsoft.com/office/drawing/2014/main" id="{66E3EC48-7FF2-C2B3-2DC2-097819A3C68F}"/>
+              </a:ext>
+            </a:extLst>
+          </p:cNvPr>
+          <p:cNvSpPr>
+            <a:spLocks noGrp="1"/>
+          </p:cNvSpPr>
+          <p:nvPr>
+            <p:ph type="title"/>
+          </p:nvPr>
+        </p:nvSpPr>
+        <p:spPr/>
+        <p:txBody>
+          <a:bodyPr/>
+          <a:lstStyle/>
+          <a:p>
+            <a:r>
+              <a:rPr kumimoji="1" lang="zh-CN" altLang="en-US" dirty="0"/>
+              <a:t>我们关心</a:t>
+            </a:r>
+            <a:r>
+              <a:rPr kumimoji="1" lang="en-US" altLang="zh-CN" dirty="0"/>
+              <a:t>…</a:t>
+            </a:r>
+            <a:endParaRPr kumimoji="1" lang="zh-CN" altLang="en-US" dirty="0"/>
+          </a:p>
+        </p:txBody>
+      </p:sp>
+      <mc:AlternateContent xmlns:mc="http://schemas.openxmlformats.org/markup-compatibility/2006">
+        <mc:Choice xmlns:a14="http://schemas.microsoft.com/office/drawing/2010/main" Requires="a14">
+          <p:sp>
+            <p:nvSpPr>
+              <p:cNvPr id="4" name="TextBox 3">
+                <a:extLst>
+                  <a:ext uri="{FF2B5EF4-FFF2-40B4-BE49-F238E27FC236}">
+                    <a16:creationId xmlns:a16="http://schemas.microsoft.com/office/drawing/2014/main" id="{A78890E2-B94F-7BF9-957B-8E900CF7843E}"/>
+                  </a:ext>
+                </a:extLst>
+              </p:cNvPr>
+              <p:cNvSpPr txBox="1"/>
+              <p:nvPr/>
+            </p:nvSpPr>
+            <p:spPr>
+              <a:xfrm>
+                <a:off x="632178" y="1275644"/>
+                <a:ext cx="6633547" cy="2308324"/>
+              </a:xfrm>
+              <a:prstGeom prst="rect">
+                <a:avLst/>
+              </a:prstGeom>
+              <a:noFill/>
+            </p:spPr>
+            <p:txBody>
+              <a:bodyPr wrap="none" rtlCol="0">
+                <a:spAutoFit/>
+              </a:bodyPr>
+              <a:lstStyle/>
+              <a:p>
+                <a:pPr marL="342900" indent="-342900" algn="l">
+                  <a:buFont typeface="Arial" panose="020B0604020202020204" pitchFamily="34" charset="0"/>
+                  <a:buChar char="•"/>
+                </a:pPr>
+                <a:r>
+                  <a:rPr kumimoji="1" lang="zh-CN" altLang="en-US" sz="2400" dirty="0"/>
+                  <a:t>运行时间</a:t>
+                </a:r>
+                <a:endParaRPr kumimoji="1" lang="en-US" altLang="zh-CN" sz="2400" dirty="0"/>
+              </a:p>
+              <a:p>
+                <a:pPr marL="800100" lvl="1" indent="-342900">
+                  <a:buFont typeface="Arial" panose="020B0604020202020204" pitchFamily="34" charset="0"/>
+                  <a:buChar char="•"/>
+                </a:pPr>
+                <a:r>
+                  <a:rPr kumimoji="1" lang="zh-CN" altLang="en-US" sz="2400" dirty="0"/>
+                  <a:t>最细致的模型</a:t>
+                </a:r>
+                <a:r>
+                  <a:rPr kumimoji="1" lang="en-US" altLang="zh-CN" sz="2400" dirty="0"/>
+                  <a:t>:</a:t>
+                </a:r>
+                <a:r>
+                  <a:rPr kumimoji="1" lang="zh-CN" altLang="en-US" sz="2400" dirty="0"/>
+                  <a:t> 假设赋值语句要用</a:t>
+                </a:r>
+                <a14:m>
+                  <m:oMath xmlns:m="http://schemas.openxmlformats.org/officeDocument/2006/math">
+                    <m:sSub>
+                      <m:sSubPr>
+                        <m:ctrlPr>
+                          <a:rPr kumimoji="1" lang="en-US" altLang="zh-CN" sz="2400" b="0" i="1" smtClean="0">
+                            <a:latin typeface="Cambria Math" panose="02040503050406030204" pitchFamily="18" charset="0"/>
+                          </a:rPr>
+                        </m:ctrlPr>
+                      </m:sSubPr>
+                      <m:e>
+                        <m:r>
+                          <a:rPr kumimoji="1" lang="en-US" altLang="zh-CN" sz="2400" b="0" i="1" smtClean="0">
+                            <a:latin typeface="Cambria Math" panose="02040503050406030204" pitchFamily="18" charset="0"/>
+                          </a:rPr>
+                          <m:t>𝑡</m:t>
+                        </m:r>
+                      </m:e>
+                      <m:sub>
+                        <m:r>
+                          <a:rPr kumimoji="1" lang="en-US" altLang="zh-CN" sz="2400" b="0" i="1" smtClean="0">
+                            <a:latin typeface="Cambria Math" panose="02040503050406030204" pitchFamily="18" charset="0"/>
+                          </a:rPr>
+                          <m:t>1</m:t>
+                        </m:r>
+                      </m:sub>
+                    </m:sSub>
+                  </m:oMath>
+                </a14:m>
+                <a:r>
+                  <a:rPr kumimoji="1" lang="en-US" altLang="zh-CN" sz="2400" dirty="0"/>
+                  <a:t>…</a:t>
+                </a:r>
+              </a:p>
+              <a:p>
+                <a:pPr marL="800100" lvl="1" indent="-342900">
+                  <a:buFont typeface="Arial" panose="020B0604020202020204" pitchFamily="34" charset="0"/>
+                  <a:buChar char="•"/>
+                </a:pPr>
+                <a:r>
+                  <a:rPr kumimoji="1" lang="zh-CN" altLang="en-US" sz="2400" dirty="0"/>
+                  <a:t>粗略的模型</a:t>
+                </a:r>
+                <a:r>
+                  <a:rPr kumimoji="1" lang="en-US" altLang="zh-CN" sz="2400" dirty="0"/>
+                  <a:t>:</a:t>
+                </a:r>
+                <a:r>
+                  <a:rPr kumimoji="1" lang="zh-CN" altLang="en-US" sz="2400" dirty="0"/>
+                  <a:t> 每一次 </a:t>
+                </a:r>
+                <a:r>
+                  <a:rPr kumimoji="1" lang="en-US" altLang="zh-CN" sz="2400" dirty="0"/>
+                  <a:t>“</a:t>
+                </a:r>
+                <a:r>
+                  <a:rPr kumimoji="1" lang="zh-CN" altLang="en-US" sz="2400" dirty="0"/>
+                  <a:t>操作</a:t>
+                </a:r>
+                <a:r>
+                  <a:rPr kumimoji="1" lang="en-US" altLang="zh-CN" sz="2400" dirty="0"/>
+                  <a:t>”</a:t>
+                </a:r>
+                <a:r>
+                  <a:rPr kumimoji="1" lang="zh-CN" altLang="en-US" sz="2400" dirty="0"/>
+                  <a:t> 耗时</a:t>
+                </a:r>
+                <a:r>
+                  <a:rPr kumimoji="1" lang="en-US" altLang="zh-CN" sz="2400" dirty="0"/>
+                  <a:t>1</a:t>
+                </a:r>
+                <a:r>
+                  <a:rPr kumimoji="1" lang="zh-CN" altLang="en-US" sz="2400" dirty="0"/>
+                  <a:t>单位时间</a:t>
+                </a:r>
+                <a:endParaRPr kumimoji="1" lang="en-US" altLang="zh-CN" sz="2400" dirty="0"/>
+              </a:p>
+              <a:p>
+                <a:pPr marL="342900" indent="-342900">
+                  <a:buFont typeface="Arial" panose="020B0604020202020204" pitchFamily="34" charset="0"/>
+                  <a:buChar char="•"/>
+                </a:pPr>
+                <a:endParaRPr kumimoji="1" lang="en-US" altLang="zh-CN" sz="2400" dirty="0"/>
+              </a:p>
+              <a:p>
+                <a:pPr marL="342900" indent="-342900">
+                  <a:buFont typeface="Arial" panose="020B0604020202020204" pitchFamily="34" charset="0"/>
+                  <a:buChar char="•"/>
+                </a:pPr>
+                <a:r>
+                  <a:rPr kumimoji="1" lang="zh-CN" altLang="en-US" sz="2400" dirty="0"/>
+                  <a:t>理论分析</a:t>
+                </a:r>
+                <a:r>
+                  <a:rPr kumimoji="1" lang="en-US" altLang="zh-CN" sz="2400" dirty="0"/>
+                  <a:t>:</a:t>
+                </a:r>
+                <a:r>
+                  <a:rPr kumimoji="1" lang="zh-CN" altLang="en-US" sz="2400" dirty="0"/>
+                  <a:t> </a:t>
+                </a:r>
+                <a14:m>
+                  <m:oMath xmlns:m="http://schemas.openxmlformats.org/officeDocument/2006/math">
+                    <m:r>
+                      <a:rPr kumimoji="1" lang="en-US" altLang="zh-CN" sz="2400" b="0" i="1" smtClean="0">
+                        <a:latin typeface="Cambria Math" panose="02040503050406030204" pitchFamily="18" charset="0"/>
+                      </a:rPr>
+                      <m:t>𝑛</m:t>
+                    </m:r>
+                    <m:r>
+                      <a:rPr kumimoji="1" lang="en-US" altLang="zh-CN" sz="2400" i="1">
+                        <a:latin typeface="Cambria Math" panose="02040503050406030204" pitchFamily="18" charset="0"/>
+                      </a:rPr>
+                      <m:t>×</m:t>
+                    </m:r>
+                    <m:r>
+                      <a:rPr kumimoji="1" lang="en-US" altLang="zh-CN" sz="2400" b="0" i="1" smtClean="0">
+                        <a:latin typeface="Cambria Math" panose="02040503050406030204" pitchFamily="18" charset="0"/>
+                      </a:rPr>
+                      <m:t>𝑛</m:t>
+                    </m:r>
+                  </m:oMath>
+                </a14:m>
+                <a:endParaRPr kumimoji="1" lang="en-US" altLang="zh-CN" sz="2400" dirty="0"/>
+              </a:p>
+              <a:p>
+                <a:pPr marL="342900" indent="-342900">
+                  <a:buFont typeface="Arial" panose="020B0604020202020204" pitchFamily="34" charset="0"/>
+                  <a:buChar char="•"/>
+                </a:pPr>
+                <a:r>
+                  <a:rPr kumimoji="1" lang="zh-CN" altLang="en-US" sz="2400" dirty="0"/>
+                  <a:t>实际检验</a:t>
+                </a:r>
+                <a:r>
+                  <a:rPr kumimoji="1" lang="en-US" altLang="zh-CN" sz="2400" dirty="0"/>
+                  <a:t>:</a:t>
+                </a:r>
+                <a:r>
+                  <a:rPr kumimoji="1" lang="zh-CN" altLang="en-US" sz="2400" dirty="0"/>
+                  <a:t> </a:t>
+                </a:r>
+                <a:endParaRPr kumimoji="1" lang="en-US" altLang="zh-CN" sz="2400" dirty="0"/>
+              </a:p>
+            </p:txBody>
+          </p:sp>
+        </mc:Choice>
+        <mc:Fallback>
+          <p:sp>
+            <p:nvSpPr>
+              <p:cNvPr id="4" name="TextBox 3">
+                <a:extLst>
+                  <a:ext uri="{FF2B5EF4-FFF2-40B4-BE49-F238E27FC236}">
+                    <a16:creationId xmlns:a16="http://schemas.microsoft.com/office/drawing/2014/main" id="{A78890E2-B94F-7BF9-957B-8E900CF7843E}"/>
+                  </a:ext>
+                </a:extLst>
+              </p:cNvPr>
+              <p:cNvSpPr txBox="1">
+                <a:spLocks noRot="1" noChangeAspect="1" noMove="1" noResize="1" noEditPoints="1" noAdjustHandles="1" noChangeArrowheads="1" noChangeShapeType="1" noTextEdit="1"/>
+              </p:cNvSpPr>
+              <p:nvPr/>
+            </p:nvSpPr>
+            <p:spPr>
+              <a:xfrm>
+                <a:off x="632178" y="1275644"/>
+                <a:ext cx="6633547" cy="2308324"/>
+              </a:xfrm>
+              <a:prstGeom prst="rect">
+                <a:avLst/>
+              </a:prstGeom>
+              <a:blipFill>
+                <a:blip r:embed="rId2"/>
+                <a:stretch>
+                  <a:fillRect l="-1145" t="-2732" r="-382" b="-4918"/>
+                </a:stretch>
+              </a:blipFill>
+            </p:spPr>
+            <p:txBody>
+              <a:bodyPr/>
+              <a:lstStyle/>
+              <a:p>
+                <a:r>
+                  <a:rPr lang="zh-CN" altLang="en-US">
+                    <a:noFill/>
+                  </a:rPr>
+                  <a:t> </a:t>
+                </a:r>
+              </a:p>
+            </p:txBody>
+          </p:sp>
+        </mc:Fallback>
+      </mc:AlternateContent>
+    </p:spTree>
+    <p:extLst>
+      <p:ext uri="{BB962C8B-B14F-4D97-AF65-F5344CB8AC3E}">
+        <p14:creationId xmlns:p14="http://schemas.microsoft.com/office/powerpoint/2010/main" val="1445862978"/>
+      </p:ext>
+    </p:extLst>
+  </p:cSld>
+  <p:clrMapOvr>
+    <a:masterClrMapping/>
+  </p:clrMapOvr>
+</p:sld>
+</file>
+
+<file path=ppt/slides/slide5.xml><?xml version="1.0" encoding="utf-8"?>
+<p:sld xmlns:a="http://schemas.openxmlformats.org/drawingml/2006/main" xmlns:r="http://schemas.openxmlformats.org/officeDocument/2006/relationships" xmlns:p="http://schemas.openxmlformats.org/presentationml/2006/main">
+  <p:cSld>
+    <p:spTree>
+      <p:nvGrpSpPr>
+        <p:cNvPr id="1" name=""/>
+        <p:cNvGrpSpPr/>
+        <p:nvPr/>
+      </p:nvGrpSpPr>
+      <p:grpSpPr>
+        <a:xfrm>
+          <a:off x="0" y="0"/>
+          <a:ext cx="0" cy="0"/>
+          <a:chOff x="0" y="0"/>
+          <a:chExt cx="0" cy="0"/>
+        </a:xfrm>
+      </p:grpSpPr>
+      <p:sp>
+        <p:nvSpPr>
+          <p:cNvPr id="2" name="Slide Number Placeholder 1">
+            <a:extLst>
+              <a:ext uri="{FF2B5EF4-FFF2-40B4-BE49-F238E27FC236}">
+                <a16:creationId xmlns:a16="http://schemas.microsoft.com/office/drawing/2014/main" id="{169E65CD-CEC7-3A82-6E6F-1151911AA575}"/>
+              </a:ext>
+            </a:extLst>
+          </p:cNvPr>
+          <p:cNvSpPr>
+            <a:spLocks noGrp="1"/>
+          </p:cNvSpPr>
+          <p:nvPr>
+            <p:ph type="sldNum" sz="quarter" idx="12"/>
+          </p:nvPr>
+        </p:nvSpPr>
+        <p:spPr/>
+        <p:txBody>
+          <a:bodyPr/>
+          <a:lstStyle/>
+          <a:p>
+            <a:fld id="{7A304655-5D53-B746-8252-3F5A598C52D3}" type="slidenum">
+              <a:rPr lang="en-CN" smtClean="0"/>
+              <a:pPr/>
+              <a:t>5</a:t>
+            </a:fld>
+            <a:endParaRPr lang="en-CN"/>
+          </a:p>
+        </p:txBody>
+      </p:sp>
+      <p:sp>
+        <p:nvSpPr>
+          <p:cNvPr id="4" name="Title 3">
+            <a:extLst>
+              <a:ext uri="{FF2B5EF4-FFF2-40B4-BE49-F238E27FC236}">
+                <a16:creationId xmlns:a16="http://schemas.microsoft.com/office/drawing/2014/main" id="{0C47B93A-6EF2-761D-119D-D4BEDBA34F94}"/>
+              </a:ext>
+            </a:extLst>
+          </p:cNvPr>
+          <p:cNvSpPr>
+            <a:spLocks noGrp="1"/>
+          </p:cNvSpPr>
+          <p:nvPr>
+            <p:ph type="title"/>
+          </p:nvPr>
+        </p:nvSpPr>
+        <p:spPr/>
+        <p:txBody>
+          <a:bodyPr/>
+          <a:lstStyle/>
+          <a:p>
+            <a:r>
+              <a:rPr lang="zh-CN" altLang="en-US" dirty="0"/>
+              <a:t>数学归纳法</a:t>
+            </a:r>
+          </a:p>
+        </p:txBody>
+      </p:sp>
+    </p:spTree>
+    <p:extLst>
+      <p:ext uri="{BB962C8B-B14F-4D97-AF65-F5344CB8AC3E}">
+        <p14:creationId xmlns:p14="http://schemas.microsoft.com/office/powerpoint/2010/main" val="18128468"/>
+      </p:ext>
+    </p:extLst>
+  </p:cSld>
+  <p:clrMapOvr>
+    <a:masterClrMapping/>
+  </p:clrMapOvr>
+</p:sld>
+</file>
+
+<file path=ppt/slides/slide6.xml><?xml version="1.0" encoding="utf-8"?>
+<p:sld xmlns:a="http://schemas.openxmlformats.org/drawingml/2006/main" xmlns:r="http://schemas.openxmlformats.org/officeDocument/2006/relationships" xmlns:p="http://schemas.openxmlformats.org/presentationml/2006/main">
+  <p:cSld>
+    <p:spTree>
+      <p:nvGrpSpPr>
+        <p:cNvPr id="1" name=""/>
+        <p:cNvGrpSpPr/>
+        <p:nvPr/>
+      </p:nvGrpSpPr>
+      <p:grpSpPr>
+        <a:xfrm>
+          <a:off x="0" y="0"/>
+          <a:ext cx="0" cy="0"/>
+          <a:chOff x="0" y="0"/>
+          <a:chExt cx="0" cy="0"/>
+        </a:xfrm>
+      </p:grpSpPr>
+      <p:sp>
+        <p:nvSpPr>
+          <p:cNvPr id="2" name="Slide Number Placeholder 1">
+            <a:extLst>
+              <a:ext uri="{FF2B5EF4-FFF2-40B4-BE49-F238E27FC236}">
+                <a16:creationId xmlns:a16="http://schemas.microsoft.com/office/drawing/2014/main" id="{8A4F7BA9-5B71-79F0-EECB-303422C0769F}"/>
+              </a:ext>
+            </a:extLst>
+          </p:cNvPr>
+          <p:cNvSpPr>
+            <a:spLocks noGrp="1"/>
+          </p:cNvSpPr>
+          <p:nvPr>
+            <p:ph type="sldNum" sz="quarter" idx="12"/>
+          </p:nvPr>
+        </p:nvSpPr>
+        <p:spPr/>
+        <p:txBody>
+          <a:bodyPr/>
+          <a:lstStyle/>
+          <a:p>
+            <a:fld id="{7A304655-5D53-B746-8252-3F5A598C52D3}" type="slidenum">
+              <a:rPr lang="en-CN" smtClean="0"/>
+              <a:pPr/>
+              <a:t>6</a:t>
+            </a:fld>
+            <a:endParaRPr lang="en-CN"/>
+          </a:p>
+        </p:txBody>
+      </p:sp>
+      <p:sp>
+        <p:nvSpPr>
+          <p:cNvPr id="3" name="Title 2">
+            <a:extLst>
+              <a:ext uri="{FF2B5EF4-FFF2-40B4-BE49-F238E27FC236}">
+                <a16:creationId xmlns:a16="http://schemas.microsoft.com/office/drawing/2014/main" id="{9F634B21-FAC7-EA85-4403-7521A4437A49}"/>
+              </a:ext>
+            </a:extLst>
+          </p:cNvPr>
+          <p:cNvSpPr>
+            <a:spLocks noGrp="1"/>
+          </p:cNvSpPr>
+          <p:nvPr>
+            <p:ph type="title"/>
+          </p:nvPr>
+        </p:nvSpPr>
+        <p:spPr/>
+        <p:txBody>
+          <a:bodyPr/>
+          <a:lstStyle/>
+          <a:p>
+            <a:r>
+              <a:rPr kumimoji="1" lang="zh-CN" altLang="en-US" dirty="0"/>
+              <a:t>为什么数学归纳法是对的</a:t>
+            </a:r>
+            <a:r>
+              <a:rPr kumimoji="1" lang="en-US" altLang="zh-CN" dirty="0"/>
+              <a:t>?</a:t>
+            </a:r>
+            <a:endParaRPr kumimoji="1" lang="zh-CN" altLang="en-US" dirty="0"/>
+          </a:p>
+        </p:txBody>
+      </p:sp>
+      <p:sp>
+        <p:nvSpPr>
+          <p:cNvPr id="4" name="TextBox 3">
+            <a:extLst>
+              <a:ext uri="{FF2B5EF4-FFF2-40B4-BE49-F238E27FC236}">
+                <a16:creationId xmlns:a16="http://schemas.microsoft.com/office/drawing/2014/main" id="{EB9D8ED1-8358-8A38-CA20-4FC241805242}"/>
               </a:ext>
             </a:extLst>
           </p:cNvPr>
@@ -2384,8 +4597,8 @@
         </p:nvSpPr>
         <p:spPr>
           <a:xfrm>
-            <a:off x="5547908" y="882127"/>
-            <a:ext cx="2843057" cy="830997"/>
+            <a:off x="628650" y="1185333"/>
+            <a:ext cx="3762568" cy="1938992"/>
           </a:xfrm>
           <a:prstGeom prst="rect">
             <a:avLst/>
@@ -2393,28 +4606,837 @@
           <a:noFill/>
         </p:spPr>
         <p:txBody>
-          <a:bodyPr wrap="square" rtlCol="0">
+          <a:bodyPr wrap="none" rtlCol="0">
             <a:spAutoFit/>
           </a:bodyPr>
           <a:lstStyle/>
           <a:p>
-            <a:pPr algn="r"/>
-            <a:r>
-              <a:rPr kumimoji="1" lang="zh-CN" altLang="en-US" sz="4800" dirty="0"/>
-              <a:t> </a:t>
-            </a:r>
-            <a:r>
-              <a:rPr kumimoji="1" lang="en-US" altLang="zh-CN" sz="4800" dirty="0"/>
-              <a:t>2</a:t>
-            </a:r>
-            <a:endParaRPr kumimoji="1" lang="zh-CN" altLang="en-US" sz="4800" dirty="0"/>
-          </a:p>
-        </p:txBody>
-      </p:sp>
+            <a:pPr marL="342900" indent="-342900" algn="l">
+              <a:buFont typeface="Arial" panose="020B0604020202020204" pitchFamily="34" charset="0"/>
+              <a:buChar char="•"/>
+            </a:pPr>
+            <a:r>
+              <a:rPr kumimoji="1" lang="en-US" altLang="zh-CN" sz="2400" dirty="0"/>
+              <a:t>❌</a:t>
+            </a:r>
+          </a:p>
+          <a:p>
+            <a:pPr marL="800100" lvl="1" indent="-342900">
+              <a:buFont typeface="Arial" panose="020B0604020202020204" pitchFamily="34" charset="0"/>
+              <a:buChar char="•"/>
+            </a:pPr>
+            <a:r>
+              <a:rPr kumimoji="1" lang="zh-CN" altLang="en-US" sz="2400" dirty="0"/>
+              <a:t>因为我感觉它是对的</a:t>
+            </a:r>
+            <a:endParaRPr kumimoji="1" lang="en-US" altLang="zh-CN" sz="2400" dirty="0"/>
+          </a:p>
+          <a:p>
+            <a:pPr marL="800100" lvl="1" indent="-342900">
+              <a:buFont typeface="Arial" panose="020B0604020202020204" pitchFamily="34" charset="0"/>
+              <a:buChar char="•"/>
+            </a:pPr>
+            <a:r>
+              <a:rPr kumimoji="1" lang="zh-CN" altLang="en-US" sz="2400" dirty="0"/>
+              <a:t>因为老师是这样教的</a:t>
+            </a:r>
+            <a:endParaRPr kumimoji="1" lang="en-US" altLang="zh-CN" sz="2400" dirty="0"/>
+          </a:p>
+          <a:p>
+            <a:pPr marL="800100" lvl="1" indent="-342900">
+              <a:buFont typeface="Arial" panose="020B0604020202020204" pitchFamily="34" charset="0"/>
+              <a:buChar char="•"/>
+            </a:pPr>
+            <a:endParaRPr kumimoji="1" lang="en-US" altLang="zh-CN" sz="2400" dirty="0"/>
+          </a:p>
+          <a:p>
+            <a:pPr marL="342900" indent="-342900">
+              <a:buFont typeface="Arial" panose="020B0604020202020204" pitchFamily="34" charset="0"/>
+              <a:buChar char="•"/>
+            </a:pPr>
+            <a:r>
+              <a:rPr kumimoji="1" lang="zh-CN" altLang="en-US" sz="2400" dirty="0"/>
+              <a:t>下面的论述对吗</a:t>
+            </a:r>
+            <a:r>
+              <a:rPr kumimoji="1" lang="en-US" altLang="zh-CN" sz="2400" dirty="0"/>
+              <a:t>?</a:t>
+            </a:r>
+            <a:endParaRPr kumimoji="1" lang="zh-CN" altLang="en-US" sz="2400" dirty="0"/>
+          </a:p>
+        </p:txBody>
+      </p:sp>
+      <p:pic>
+        <p:nvPicPr>
+          <p:cNvPr id="5" name="Picture 4">
+            <a:extLst>
+              <a:ext uri="{FF2B5EF4-FFF2-40B4-BE49-F238E27FC236}">
+                <a16:creationId xmlns:a16="http://schemas.microsoft.com/office/drawing/2014/main" id="{1943C5E3-BB79-50A6-A10C-43B633DAE828}"/>
+              </a:ext>
+            </a:extLst>
+          </p:cNvPr>
+          <p:cNvPicPr>
+            <a:picLocks noChangeAspect="1"/>
+          </p:cNvPicPr>
+          <p:nvPr/>
+        </p:nvPicPr>
+        <p:blipFill>
+          <a:blip r:embed="rId2"/>
+          <a:stretch>
+            <a:fillRect/>
+          </a:stretch>
+        </p:blipFill>
+        <p:spPr>
+          <a:xfrm>
+            <a:off x="0" y="3124325"/>
+            <a:ext cx="8788332" cy="2429808"/>
+          </a:xfrm>
+          <a:prstGeom prst="rect">
+            <a:avLst/>
+          </a:prstGeom>
+        </p:spPr>
+      </p:pic>
     </p:spTree>
     <p:extLst>
       <p:ext uri="{BB962C8B-B14F-4D97-AF65-F5344CB8AC3E}">
-        <p14:creationId xmlns:p14="http://schemas.microsoft.com/office/powerpoint/2010/main" val="4112512194"/>
+        <p14:creationId xmlns:p14="http://schemas.microsoft.com/office/powerpoint/2010/main" val="4180635360"/>
+      </p:ext>
+    </p:extLst>
+  </p:cSld>
+  <p:clrMapOvr>
+    <a:masterClrMapping/>
+  </p:clrMapOvr>
+</p:sld>
+</file>
+
+<file path=ppt/slides/slide7.xml><?xml version="1.0" encoding="utf-8"?>
+<p:sld xmlns:a="http://schemas.openxmlformats.org/drawingml/2006/main" xmlns:r="http://schemas.openxmlformats.org/officeDocument/2006/relationships" xmlns:p="http://schemas.openxmlformats.org/presentationml/2006/main">
+  <p:cSld>
+    <p:spTree>
+      <p:nvGrpSpPr>
+        <p:cNvPr id="1" name=""/>
+        <p:cNvGrpSpPr/>
+        <p:nvPr/>
+      </p:nvGrpSpPr>
+      <p:grpSpPr>
+        <a:xfrm>
+          <a:off x="0" y="0"/>
+          <a:ext cx="0" cy="0"/>
+          <a:chOff x="0" y="0"/>
+          <a:chExt cx="0" cy="0"/>
+        </a:xfrm>
+      </p:grpSpPr>
+      <p:sp>
+        <p:nvSpPr>
+          <p:cNvPr id="2" name="Slide Number Placeholder 1">
+            <a:extLst>
+              <a:ext uri="{FF2B5EF4-FFF2-40B4-BE49-F238E27FC236}">
+                <a16:creationId xmlns:a16="http://schemas.microsoft.com/office/drawing/2014/main" id="{C77AB35C-9BA3-59E3-706F-C416AC60F449}"/>
+              </a:ext>
+            </a:extLst>
+          </p:cNvPr>
+          <p:cNvSpPr>
+            <a:spLocks noGrp="1"/>
+          </p:cNvSpPr>
+          <p:nvPr>
+            <p:ph type="sldNum" sz="quarter" idx="12"/>
+          </p:nvPr>
+        </p:nvSpPr>
+        <p:spPr/>
+        <p:txBody>
+          <a:bodyPr/>
+          <a:lstStyle/>
+          <a:p>
+            <a:fld id="{7A304655-5D53-B746-8252-3F5A598C52D3}" type="slidenum">
+              <a:rPr lang="en-CN" smtClean="0"/>
+              <a:pPr/>
+              <a:t>7</a:t>
+            </a:fld>
+            <a:endParaRPr lang="en-CN"/>
+          </a:p>
+        </p:txBody>
+      </p:sp>
+      <p:sp>
+        <p:nvSpPr>
+          <p:cNvPr id="3" name="Title 2">
+            <a:extLst>
+              <a:ext uri="{FF2B5EF4-FFF2-40B4-BE49-F238E27FC236}">
+                <a16:creationId xmlns:a16="http://schemas.microsoft.com/office/drawing/2014/main" id="{8B0B7527-A501-C2F3-E7BA-804C6CCAA0A2}"/>
+              </a:ext>
+            </a:extLst>
+          </p:cNvPr>
+          <p:cNvSpPr>
+            <a:spLocks noGrp="1"/>
+          </p:cNvSpPr>
+          <p:nvPr>
+            <p:ph type="title"/>
+          </p:nvPr>
+        </p:nvSpPr>
+        <p:spPr/>
+        <p:txBody>
+          <a:bodyPr/>
+          <a:lstStyle/>
+          <a:p>
+            <a:r>
+              <a:rPr kumimoji="1" lang="en-US" altLang="zh-CN" dirty="0"/>
+              <a:t>Well</a:t>
+            </a:r>
+            <a:r>
+              <a:rPr kumimoji="1" lang="zh-CN" altLang="en-US" dirty="0"/>
+              <a:t> </a:t>
+            </a:r>
+            <a:r>
+              <a:rPr kumimoji="1" lang="en-US" altLang="zh-CN" dirty="0"/>
+              <a:t>Ordering</a:t>
+            </a:r>
+            <a:r>
+              <a:rPr kumimoji="1" lang="zh-CN" altLang="en-US" dirty="0"/>
+              <a:t> </a:t>
+            </a:r>
+            <a:r>
+              <a:rPr kumimoji="1" lang="en-US" altLang="zh-CN" dirty="0"/>
+              <a:t>Principle</a:t>
+            </a:r>
+            <a:endParaRPr kumimoji="1" lang="zh-CN" altLang="en-US" dirty="0"/>
+          </a:p>
+        </p:txBody>
+      </p:sp>
+      <p:pic>
+        <p:nvPicPr>
+          <p:cNvPr id="4" name="Picture 3">
+            <a:extLst>
+              <a:ext uri="{FF2B5EF4-FFF2-40B4-BE49-F238E27FC236}">
+                <a16:creationId xmlns:a16="http://schemas.microsoft.com/office/drawing/2014/main" id="{853D9040-6BDB-FA17-A5C5-0DDE21CA67DB}"/>
+              </a:ext>
+            </a:extLst>
+          </p:cNvPr>
+          <p:cNvPicPr>
+            <a:picLocks noChangeAspect="1"/>
+          </p:cNvPicPr>
+          <p:nvPr/>
+        </p:nvPicPr>
+        <p:blipFill>
+          <a:blip r:embed="rId2"/>
+          <a:stretch>
+            <a:fillRect/>
+          </a:stretch>
+        </p:blipFill>
+        <p:spPr>
+          <a:xfrm>
+            <a:off x="1697213" y="1239666"/>
+            <a:ext cx="5749572" cy="360534"/>
+          </a:xfrm>
+          <a:prstGeom prst="rect">
+            <a:avLst/>
+          </a:prstGeom>
+        </p:spPr>
+      </p:pic>
+      <mc:AlternateContent xmlns:mc="http://schemas.openxmlformats.org/markup-compatibility/2006">
+        <mc:Choice xmlns:a14="http://schemas.microsoft.com/office/drawing/2010/main" Requires="a14">
+          <p:sp>
+            <p:nvSpPr>
+              <p:cNvPr id="5" name="TextBox 4">
+                <a:extLst>
+                  <a:ext uri="{FF2B5EF4-FFF2-40B4-BE49-F238E27FC236}">
+                    <a16:creationId xmlns:a16="http://schemas.microsoft.com/office/drawing/2014/main" id="{435C4985-E418-6A6C-ED01-AB02E790AE32}"/>
+                  </a:ext>
+                </a:extLst>
+              </p:cNvPr>
+              <p:cNvSpPr txBox="1"/>
+              <p:nvPr/>
+            </p:nvSpPr>
+            <p:spPr>
+              <a:xfrm>
+                <a:off x="4362587" y="1498527"/>
+                <a:ext cx="631903" cy="461665"/>
+              </a:xfrm>
+              <a:prstGeom prst="rect">
+                <a:avLst/>
+              </a:prstGeom>
+              <a:noFill/>
+            </p:spPr>
+            <p:txBody>
+              <a:bodyPr wrap="none" rtlCol="0">
+                <a:spAutoFit/>
+              </a:bodyPr>
+              <a:lstStyle/>
+              <a:p>
+                <a:pPr algn="l"/>
+                <a14:m>
+                  <m:oMathPara xmlns:m="http://schemas.openxmlformats.org/officeDocument/2006/math">
+                    <m:oMathParaPr>
+                      <m:jc m:val="centerGroup"/>
+                    </m:oMathParaPr>
+                    <m:oMath xmlns:m="http://schemas.openxmlformats.org/officeDocument/2006/math">
+                      <m:r>
+                        <a:rPr kumimoji="1" lang="zh-CN" altLang="en-US" sz="2400" i="1" smtClean="0">
+                          <a:latin typeface="Cambria Math" panose="02040503050406030204" pitchFamily="18" charset="0"/>
+                        </a:rPr>
+                        <m:t>⟺</m:t>
+                      </m:r>
+                    </m:oMath>
+                  </m:oMathPara>
+                </a14:m>
+                <a:endParaRPr kumimoji="1" lang="zh-CN" altLang="en-US" sz="2400" dirty="0"/>
+              </a:p>
+            </p:txBody>
+          </p:sp>
+        </mc:Choice>
+        <mc:Fallback>
+          <p:sp>
+            <p:nvSpPr>
+              <p:cNvPr id="5" name="TextBox 4">
+                <a:extLst>
+                  <a:ext uri="{FF2B5EF4-FFF2-40B4-BE49-F238E27FC236}">
+                    <a16:creationId xmlns:a16="http://schemas.microsoft.com/office/drawing/2014/main" id="{435C4985-E418-6A6C-ED01-AB02E790AE32}"/>
+                  </a:ext>
+                </a:extLst>
+              </p:cNvPr>
+              <p:cNvSpPr txBox="1">
+                <a:spLocks noRot="1" noChangeAspect="1" noMove="1" noResize="1" noEditPoints="1" noAdjustHandles="1" noChangeArrowheads="1" noChangeShapeType="1" noTextEdit="1"/>
+              </p:cNvSpPr>
+              <p:nvPr/>
+            </p:nvSpPr>
+            <p:spPr>
+              <a:xfrm>
+                <a:off x="4362587" y="1498527"/>
+                <a:ext cx="631903" cy="461665"/>
+              </a:xfrm>
+              <a:prstGeom prst="rect">
+                <a:avLst/>
+              </a:prstGeom>
+              <a:blipFill>
+                <a:blip r:embed="rId3"/>
+                <a:stretch>
+                  <a:fillRect/>
+                </a:stretch>
+              </a:blipFill>
+            </p:spPr>
+            <p:txBody>
+              <a:bodyPr/>
+              <a:lstStyle/>
+              <a:p>
+                <a:r>
+                  <a:rPr lang="zh-CN" altLang="en-US">
+                    <a:noFill/>
+                  </a:rPr>
+                  <a:t> </a:t>
+                </a:r>
+              </a:p>
+            </p:txBody>
+          </p:sp>
+        </mc:Fallback>
+      </mc:AlternateContent>
+      <p:pic>
+        <p:nvPicPr>
+          <p:cNvPr id="6" name="Picture 5">
+            <a:extLst>
+              <a:ext uri="{FF2B5EF4-FFF2-40B4-BE49-F238E27FC236}">
+                <a16:creationId xmlns:a16="http://schemas.microsoft.com/office/drawing/2014/main" id="{969478A1-18A2-D5D0-D337-4F26950C24AF}"/>
+              </a:ext>
+            </a:extLst>
+          </p:cNvPr>
+          <p:cNvPicPr>
+            <a:picLocks noChangeAspect="1"/>
+          </p:cNvPicPr>
+          <p:nvPr/>
+        </p:nvPicPr>
+        <p:blipFill>
+          <a:blip r:embed="rId4"/>
+          <a:stretch>
+            <a:fillRect/>
+          </a:stretch>
+        </p:blipFill>
+        <p:spPr>
+          <a:xfrm>
+            <a:off x="628650" y="1960192"/>
+            <a:ext cx="8218311" cy="974577"/>
+          </a:xfrm>
+          <a:prstGeom prst="rect">
+            <a:avLst/>
+          </a:prstGeom>
+        </p:spPr>
+      </p:pic>
+      <p:sp>
+        <p:nvSpPr>
+          <p:cNvPr id="7" name="TextBox 6">
+            <a:extLst>
+              <a:ext uri="{FF2B5EF4-FFF2-40B4-BE49-F238E27FC236}">
+                <a16:creationId xmlns:a16="http://schemas.microsoft.com/office/drawing/2014/main" id="{CE0BF14D-4745-EA48-8C6C-064BCC5076D4}"/>
+              </a:ext>
+            </a:extLst>
+          </p:cNvPr>
+          <p:cNvSpPr txBox="1"/>
+          <p:nvPr/>
+        </p:nvSpPr>
+        <p:spPr>
+          <a:xfrm>
+            <a:off x="722489" y="3262489"/>
+            <a:ext cx="4297971" cy="461665"/>
+          </a:xfrm>
+          <a:prstGeom prst="rect">
+            <a:avLst/>
+          </a:prstGeom>
+          <a:noFill/>
+        </p:spPr>
+        <p:txBody>
+          <a:bodyPr wrap="none" rtlCol="0">
+            <a:spAutoFit/>
+          </a:bodyPr>
+          <a:lstStyle/>
+          <a:p>
+            <a:pPr marL="342900" indent="-342900" algn="l">
+              <a:buFont typeface="Arial" panose="020B0604020202020204" pitchFamily="34" charset="0"/>
+              <a:buChar char="•"/>
+            </a:pPr>
+            <a:r>
+              <a:rPr kumimoji="1" lang="en-US" altLang="zh-CN" sz="2400" dirty="0"/>
+              <a:t>rewrite</a:t>
+            </a:r>
+            <a:r>
+              <a:rPr kumimoji="1" lang="zh-CN" altLang="en-US" sz="2400" dirty="0"/>
+              <a:t>                  </a:t>
+            </a:r>
+            <a:r>
+              <a:rPr kumimoji="1" lang="en-US" altLang="zh-CN" sz="2400" dirty="0"/>
+              <a:t>with</a:t>
+            </a:r>
+            <a:r>
+              <a:rPr kumimoji="1" lang="zh-CN" altLang="en-US" sz="2400" dirty="0"/>
+              <a:t>         </a:t>
+            </a:r>
+          </a:p>
+        </p:txBody>
+      </p:sp>
+      <p:pic>
+        <p:nvPicPr>
+          <p:cNvPr id="8" name="Picture 7">
+            <a:extLst>
+              <a:ext uri="{FF2B5EF4-FFF2-40B4-BE49-F238E27FC236}">
+                <a16:creationId xmlns:a16="http://schemas.microsoft.com/office/drawing/2014/main" id="{166944F4-F787-4474-F995-3A0A818976D8}"/>
+              </a:ext>
+            </a:extLst>
+          </p:cNvPr>
+          <p:cNvPicPr>
+            <a:picLocks noChangeAspect="1"/>
+          </p:cNvPicPr>
+          <p:nvPr/>
+        </p:nvPicPr>
+        <p:blipFill>
+          <a:blip r:embed="rId5"/>
+          <a:stretch>
+            <a:fillRect/>
+          </a:stretch>
+        </p:blipFill>
+        <p:spPr>
+          <a:xfrm>
+            <a:off x="2139107" y="3308350"/>
+            <a:ext cx="1397000" cy="444500"/>
+          </a:xfrm>
+          <a:prstGeom prst="rect">
+            <a:avLst/>
+          </a:prstGeom>
+        </p:spPr>
+      </p:pic>
+      <p:pic>
+        <p:nvPicPr>
+          <p:cNvPr id="9" name="Picture 8">
+            <a:extLst>
+              <a:ext uri="{FF2B5EF4-FFF2-40B4-BE49-F238E27FC236}">
+                <a16:creationId xmlns:a16="http://schemas.microsoft.com/office/drawing/2014/main" id="{4F59B4E3-AE27-C9C9-67E4-6EA4A6C79A54}"/>
+              </a:ext>
+            </a:extLst>
+          </p:cNvPr>
+          <p:cNvPicPr>
+            <a:picLocks noChangeAspect="1"/>
+          </p:cNvPicPr>
+          <p:nvPr/>
+        </p:nvPicPr>
+        <p:blipFill>
+          <a:blip r:embed="rId6"/>
+          <a:stretch>
+            <a:fillRect/>
+          </a:stretch>
+        </p:blipFill>
+        <p:spPr>
+          <a:xfrm>
+            <a:off x="4185355" y="3302000"/>
+            <a:ext cx="1104900" cy="457200"/>
+          </a:xfrm>
+          <a:prstGeom prst="rect">
+            <a:avLst/>
+          </a:prstGeom>
+        </p:spPr>
+      </p:pic>
+      <p:pic>
+        <p:nvPicPr>
+          <p:cNvPr id="10" name="Picture 9">
+            <a:extLst>
+              <a:ext uri="{FF2B5EF4-FFF2-40B4-BE49-F238E27FC236}">
+                <a16:creationId xmlns:a16="http://schemas.microsoft.com/office/drawing/2014/main" id="{F416EE1C-B73E-3413-6E45-973894339513}"/>
+              </a:ext>
+            </a:extLst>
+          </p:cNvPr>
+          <p:cNvPicPr>
+            <a:picLocks noChangeAspect="1"/>
+          </p:cNvPicPr>
+          <p:nvPr/>
+        </p:nvPicPr>
+        <p:blipFill>
+          <a:blip r:embed="rId7"/>
+          <a:stretch>
+            <a:fillRect/>
+          </a:stretch>
+        </p:blipFill>
+        <p:spPr>
+          <a:xfrm>
+            <a:off x="722489" y="4031757"/>
+            <a:ext cx="8179161" cy="974577"/>
+          </a:xfrm>
+          <a:prstGeom prst="rect">
+            <a:avLst/>
+          </a:prstGeom>
+        </p:spPr>
+      </p:pic>
+      <p:sp>
+        <p:nvSpPr>
+          <p:cNvPr id="11" name="Cloud Callout 10">
+            <a:extLst>
+              <a:ext uri="{FF2B5EF4-FFF2-40B4-BE49-F238E27FC236}">
+                <a16:creationId xmlns:a16="http://schemas.microsoft.com/office/drawing/2014/main" id="{0950CCE3-5459-106D-8A68-08D8EA69CDEF}"/>
+              </a:ext>
+            </a:extLst>
+          </p:cNvPr>
+          <p:cNvSpPr/>
+          <p:nvPr/>
+        </p:nvSpPr>
+        <p:spPr>
+          <a:xfrm>
+            <a:off x="6355644" y="4842933"/>
+            <a:ext cx="2020712" cy="699911"/>
+          </a:xfrm>
+          <a:prstGeom prst="cloudCallout">
+            <a:avLst>
+              <a:gd name="adj1" fmla="val -80051"/>
+              <a:gd name="adj2" fmla="val -110081"/>
+            </a:avLst>
+          </a:prstGeom>
+        </p:spPr>
+        <p:style>
+          <a:lnRef idx="2">
+            <a:schemeClr val="accent5"/>
+          </a:lnRef>
+          <a:fillRef idx="1">
+            <a:schemeClr val="lt1"/>
+          </a:fillRef>
+          <a:effectRef idx="0">
+            <a:schemeClr val="accent5"/>
+          </a:effectRef>
+          <a:fontRef idx="minor">
+            <a:schemeClr val="dk1"/>
+          </a:fontRef>
+        </p:style>
+        <p:txBody>
+          <a:bodyPr rtlCol="0" anchor="t"/>
+          <a:lstStyle/>
+          <a:p>
+            <a:pPr algn="l"/>
+            <a:r>
+              <a:rPr kumimoji="1" lang="en-US" altLang="zh-CN" sz="1600" dirty="0">
+                <a:latin typeface="Consolas" panose="020B0609020204030204" pitchFamily="49" charset="0"/>
+                <a:ea typeface="FangSong" panose="02010609060101010101" pitchFamily="49" charset="-122"/>
+                <a:cs typeface="Consolas" panose="020B0609020204030204" pitchFamily="49" charset="0"/>
+              </a:rPr>
+              <a:t>Strong</a:t>
+            </a:r>
+            <a:r>
+              <a:rPr kumimoji="1" lang="zh-CN" altLang="en-US" sz="1600" dirty="0">
+                <a:latin typeface="Consolas" panose="020B0609020204030204" pitchFamily="49" charset="0"/>
+                <a:ea typeface="FangSong" panose="02010609060101010101" pitchFamily="49" charset="-122"/>
+                <a:cs typeface="Consolas" panose="020B0609020204030204" pitchFamily="49" charset="0"/>
+              </a:rPr>
+              <a:t> </a:t>
+            </a:r>
+            <a:r>
+              <a:rPr kumimoji="1" lang="en-US" altLang="zh-CN" sz="1600" dirty="0">
+                <a:latin typeface="Consolas" panose="020B0609020204030204" pitchFamily="49" charset="0"/>
+                <a:ea typeface="FangSong" panose="02010609060101010101" pitchFamily="49" charset="-122"/>
+                <a:cs typeface="Consolas" panose="020B0609020204030204" pitchFamily="49" charset="0"/>
+              </a:rPr>
+              <a:t>Math.</a:t>
+            </a:r>
+            <a:r>
+              <a:rPr kumimoji="1" lang="zh-CN" altLang="en-US" sz="1600" dirty="0">
+                <a:latin typeface="Consolas" panose="020B0609020204030204" pitchFamily="49" charset="0"/>
+                <a:ea typeface="FangSong" panose="02010609060101010101" pitchFamily="49" charset="-122"/>
+                <a:cs typeface="Consolas" panose="020B0609020204030204" pitchFamily="49" charset="0"/>
+              </a:rPr>
+              <a:t> </a:t>
+            </a:r>
+            <a:r>
+              <a:rPr kumimoji="1" lang="en-US" altLang="zh-CN" sz="1600" dirty="0">
+                <a:latin typeface="Consolas" panose="020B0609020204030204" pitchFamily="49" charset="0"/>
+                <a:ea typeface="FangSong" panose="02010609060101010101" pitchFamily="49" charset="-122"/>
+                <a:cs typeface="Consolas" panose="020B0609020204030204" pitchFamily="49" charset="0"/>
+              </a:rPr>
+              <a:t>Ind.</a:t>
+            </a:r>
+            <a:endParaRPr kumimoji="1" lang="zh-CN" altLang="en-US" sz="1600" dirty="0">
+              <a:latin typeface="Consolas" panose="020B0609020204030204" pitchFamily="49" charset="0"/>
+              <a:ea typeface="FangSong" panose="02010609060101010101" pitchFamily="49" charset="-122"/>
+              <a:cs typeface="Consolas" panose="020B0609020204030204" pitchFamily="49" charset="0"/>
+            </a:endParaRPr>
+          </a:p>
+        </p:txBody>
+      </p:sp>
+    </p:spTree>
+    <p:extLst>
+      <p:ext uri="{BB962C8B-B14F-4D97-AF65-F5344CB8AC3E}">
+        <p14:creationId xmlns:p14="http://schemas.microsoft.com/office/powerpoint/2010/main" val="2407585267"/>
+      </p:ext>
+    </p:extLst>
+  </p:cSld>
+  <p:clrMapOvr>
+    <a:masterClrMapping/>
+  </p:clrMapOvr>
+</p:sld>
+</file>
+
+<file path=ppt/slides/slide8.xml><?xml version="1.0" encoding="utf-8"?>
+<p:sld xmlns:a="http://schemas.openxmlformats.org/drawingml/2006/main" xmlns:r="http://schemas.openxmlformats.org/officeDocument/2006/relationships" xmlns:p="http://schemas.openxmlformats.org/presentationml/2006/main">
+  <p:cSld>
+    <p:spTree>
+      <p:nvGrpSpPr>
+        <p:cNvPr id="1" name=""/>
+        <p:cNvGrpSpPr/>
+        <p:nvPr/>
+      </p:nvGrpSpPr>
+      <p:grpSpPr>
+        <a:xfrm>
+          <a:off x="0" y="0"/>
+          <a:ext cx="0" cy="0"/>
+          <a:chOff x="0" y="0"/>
+          <a:chExt cx="0" cy="0"/>
+        </a:xfrm>
+      </p:grpSpPr>
+      <p:sp>
+        <p:nvSpPr>
+          <p:cNvPr id="2" name="Slide Number Placeholder 1">
+            <a:extLst>
+              <a:ext uri="{FF2B5EF4-FFF2-40B4-BE49-F238E27FC236}">
+                <a16:creationId xmlns:a16="http://schemas.microsoft.com/office/drawing/2014/main" id="{D37ADD0A-8427-F1F3-C835-2F33F0E8511F}"/>
+              </a:ext>
+            </a:extLst>
+          </p:cNvPr>
+          <p:cNvSpPr>
+            <a:spLocks noGrp="1"/>
+          </p:cNvSpPr>
+          <p:nvPr>
+            <p:ph type="sldNum" sz="quarter" idx="12"/>
+          </p:nvPr>
+        </p:nvSpPr>
+        <p:spPr/>
+        <p:txBody>
+          <a:bodyPr/>
+          <a:lstStyle/>
+          <a:p>
+            <a:fld id="{7A304655-5D53-B746-8252-3F5A598C52D3}" type="slidenum">
+              <a:rPr lang="en-CN" smtClean="0"/>
+              <a:pPr/>
+              <a:t>8</a:t>
+            </a:fld>
+            <a:endParaRPr lang="en-CN"/>
+          </a:p>
+        </p:txBody>
+      </p:sp>
+      <p:sp>
+        <p:nvSpPr>
+          <p:cNvPr id="3" name="Title 2">
+            <a:extLst>
+              <a:ext uri="{FF2B5EF4-FFF2-40B4-BE49-F238E27FC236}">
+                <a16:creationId xmlns:a16="http://schemas.microsoft.com/office/drawing/2014/main" id="{BBDBCE41-9966-D5B2-A716-EF5C9BC8FA7C}"/>
+              </a:ext>
+            </a:extLst>
+          </p:cNvPr>
+          <p:cNvSpPr>
+            <a:spLocks noGrp="1"/>
+          </p:cNvSpPr>
+          <p:nvPr>
+            <p:ph type="title"/>
+          </p:nvPr>
+        </p:nvSpPr>
+        <p:spPr/>
+        <p:txBody>
+          <a:bodyPr/>
+          <a:lstStyle/>
+          <a:p>
+            <a:r>
+              <a:rPr kumimoji="1" lang="zh-CN" altLang="en-US" dirty="0"/>
+              <a:t>例子</a:t>
+            </a:r>
+            <a:r>
+              <a:rPr kumimoji="1" lang="en-US" altLang="zh-CN" dirty="0"/>
+              <a:t>:</a:t>
+            </a:r>
+            <a:r>
+              <a:rPr kumimoji="1" lang="zh-CN" altLang="en-US" dirty="0"/>
+              <a:t> </a:t>
+            </a:r>
+          </a:p>
+        </p:txBody>
+      </p:sp>
+      <p:pic>
+        <p:nvPicPr>
+          <p:cNvPr id="4" name="Picture 3">
+            <a:extLst>
+              <a:ext uri="{FF2B5EF4-FFF2-40B4-BE49-F238E27FC236}">
+                <a16:creationId xmlns:a16="http://schemas.microsoft.com/office/drawing/2014/main" id="{1323D03D-68AD-A89B-4C2F-ECDCC05967BC}"/>
+              </a:ext>
+            </a:extLst>
+          </p:cNvPr>
+          <p:cNvPicPr>
+            <a:picLocks noChangeAspect="1"/>
+          </p:cNvPicPr>
+          <p:nvPr/>
+        </p:nvPicPr>
+        <p:blipFill>
+          <a:blip r:embed="rId2"/>
+          <a:stretch>
+            <a:fillRect/>
+          </a:stretch>
+        </p:blipFill>
+        <p:spPr>
+          <a:xfrm>
+            <a:off x="215900" y="1040524"/>
+            <a:ext cx="8712200" cy="558800"/>
+          </a:xfrm>
+          <a:prstGeom prst="rect">
+            <a:avLst/>
+          </a:prstGeom>
+        </p:spPr>
+      </p:pic>
+      <p:pic>
+        <p:nvPicPr>
+          <p:cNvPr id="13" name="Picture 12">
+            <a:extLst>
+              <a:ext uri="{FF2B5EF4-FFF2-40B4-BE49-F238E27FC236}">
+                <a16:creationId xmlns:a16="http://schemas.microsoft.com/office/drawing/2014/main" id="{366B3867-0495-0CA8-A6F6-B123013CD394}"/>
+              </a:ext>
+            </a:extLst>
+          </p:cNvPr>
+          <p:cNvPicPr>
+            <a:picLocks noChangeAspect="1"/>
+          </p:cNvPicPr>
+          <p:nvPr/>
+        </p:nvPicPr>
+        <p:blipFill>
+          <a:blip r:embed="rId3"/>
+          <a:stretch>
+            <a:fillRect/>
+          </a:stretch>
+        </p:blipFill>
+        <p:spPr>
+          <a:xfrm>
+            <a:off x="0" y="1715921"/>
+            <a:ext cx="9144000" cy="4095382"/>
+          </a:xfrm>
+          <a:prstGeom prst="rect">
+            <a:avLst/>
+          </a:prstGeom>
+        </p:spPr>
+      </p:pic>
+    </p:spTree>
+    <p:extLst>
+      <p:ext uri="{BB962C8B-B14F-4D97-AF65-F5344CB8AC3E}">
+        <p14:creationId xmlns:p14="http://schemas.microsoft.com/office/powerpoint/2010/main" val="3782038768"/>
+      </p:ext>
+    </p:extLst>
+  </p:cSld>
+  <p:clrMapOvr>
+    <a:masterClrMapping/>
+  </p:clrMapOvr>
+</p:sld>
+</file>
+
+<file path=ppt/slides/slide9.xml><?xml version="1.0" encoding="utf-8"?>
+<p:sld xmlns:a="http://schemas.openxmlformats.org/drawingml/2006/main" xmlns:r="http://schemas.openxmlformats.org/officeDocument/2006/relationships" xmlns:p="http://schemas.openxmlformats.org/presentationml/2006/main">
+  <p:cSld>
+    <p:spTree>
+      <p:nvGrpSpPr>
+        <p:cNvPr id="1" name=""/>
+        <p:cNvGrpSpPr/>
+        <p:nvPr/>
+      </p:nvGrpSpPr>
+      <p:grpSpPr>
+        <a:xfrm>
+          <a:off x="0" y="0"/>
+          <a:ext cx="0" cy="0"/>
+          <a:chOff x="0" y="0"/>
+          <a:chExt cx="0" cy="0"/>
+        </a:xfrm>
+      </p:grpSpPr>
+      <p:sp>
+        <p:nvSpPr>
+          <p:cNvPr id="2" name="Slide Number Placeholder 1">
+            <a:extLst>
+              <a:ext uri="{FF2B5EF4-FFF2-40B4-BE49-F238E27FC236}">
+                <a16:creationId xmlns:a16="http://schemas.microsoft.com/office/drawing/2014/main" id="{C43D5143-F76F-AB35-C0F6-0BF6C8B4B9F9}"/>
+              </a:ext>
+            </a:extLst>
+          </p:cNvPr>
+          <p:cNvSpPr>
+            <a:spLocks noGrp="1"/>
+          </p:cNvSpPr>
+          <p:nvPr>
+            <p:ph type="sldNum" sz="quarter" idx="12"/>
+          </p:nvPr>
+        </p:nvSpPr>
+        <p:spPr/>
+        <p:txBody>
+          <a:bodyPr/>
+          <a:lstStyle/>
+          <a:p>
+            <a:fld id="{7A304655-5D53-B746-8252-3F5A598C52D3}" type="slidenum">
+              <a:rPr lang="en-CN" smtClean="0"/>
+              <a:pPr/>
+              <a:t>9</a:t>
+            </a:fld>
+            <a:endParaRPr lang="en-CN"/>
+          </a:p>
+        </p:txBody>
+      </p:sp>
+      <p:sp>
+        <p:nvSpPr>
+          <p:cNvPr id="4" name="Title 3">
+            <a:extLst>
+              <a:ext uri="{FF2B5EF4-FFF2-40B4-BE49-F238E27FC236}">
+                <a16:creationId xmlns:a16="http://schemas.microsoft.com/office/drawing/2014/main" id="{4449F049-D844-96CB-2DBB-281FD59D4A67}"/>
+              </a:ext>
+            </a:extLst>
+          </p:cNvPr>
+          <p:cNvSpPr>
+            <a:spLocks noGrp="1"/>
+          </p:cNvSpPr>
+          <p:nvPr>
+            <p:ph type="title"/>
+          </p:nvPr>
+        </p:nvSpPr>
+        <p:spPr/>
+        <p:txBody>
+          <a:bodyPr/>
+          <a:lstStyle/>
+          <a:p>
+            <a:r>
+              <a:rPr lang="zh-CN" altLang="en-US" dirty="0"/>
+              <a:t>冒泡排序</a:t>
+            </a:r>
+          </a:p>
+        </p:txBody>
+      </p:sp>
+    </p:spTree>
+    <p:extLst>
+      <p:ext uri="{BB962C8B-B14F-4D97-AF65-F5344CB8AC3E}">
+        <p14:creationId xmlns:p14="http://schemas.microsoft.com/office/powerpoint/2010/main" val="2361297053"/>
       </p:ext>
     </p:extLst>
   </p:cSld>
